--- a/January-Class/Zelig_2_explanatory.pptx
+++ b/January-Class/Zelig_2_explanatory.pptx
@@ -3231,7 +3231,7 @@
         <p:spPr/>
         <p:txBody>
           <a:bodyPr>
-            <a:normAutofit fontScale="92500" lnSpcReduction="10000"/>
+            <a:normAutofit fontScale="92500" lnSpcReduction="20000"/>
           </a:bodyPr>
           <a:lstStyle/>
           <a:p>
@@ -3291,7 +3291,17 @@
             </a:pPr>
             <a:r>
               <a:rPr lang="en-US"/>
-              <a:t>The param function</a:t>
+              <a:t>Structure of a "param" method</a:t>
+            </a:r>
+          </a:p>
+          <a:p>
+            <a:pPr marL="514350" indent="-514350">
+              <a:buFont typeface="+mj-lt"/>
+              <a:buAutoNum type="arabicPeriod"/>
+            </a:pPr>
+            <a:r>
+              <a:rPr lang="en-US"/>
+              <a:t>Writing the "param" function</a:t>
             </a:r>
           </a:p>
           <a:p>

--- a/January-Class/Zelig_2_explanatory.pptx
+++ b/January-Class/Zelig_2_explanatory.pptx
@@ -8,13 +8,21 @@
     <p:sldId id="256" r:id="rId2"/>
     <p:sldId id="257" r:id="rId3"/>
     <p:sldId id="265" r:id="rId4"/>
-    <p:sldId id="258" r:id="rId5"/>
-    <p:sldId id="260" r:id="rId6"/>
-    <p:sldId id="259" r:id="rId7"/>
-    <p:sldId id="261" r:id="rId8"/>
-    <p:sldId id="262" r:id="rId9"/>
-    <p:sldId id="263" r:id="rId10"/>
-    <p:sldId id="264" r:id="rId11"/>
+    <p:sldId id="268" r:id="rId5"/>
+    <p:sldId id="266" r:id="rId6"/>
+    <p:sldId id="267" r:id="rId7"/>
+    <p:sldId id="269" r:id="rId8"/>
+    <p:sldId id="270" r:id="rId9"/>
+    <p:sldId id="271" r:id="rId10"/>
+    <p:sldId id="272" r:id="rId11"/>
+    <p:sldId id="273" r:id="rId12"/>
+    <p:sldId id="258" r:id="rId13"/>
+    <p:sldId id="260" r:id="rId14"/>
+    <p:sldId id="259" r:id="rId15"/>
+    <p:sldId id="261" r:id="rId16"/>
+    <p:sldId id="262" r:id="rId17"/>
+    <p:sldId id="263" r:id="rId18"/>
+    <p:sldId id="264" r:id="rId19"/>
   </p:sldIdLst>
   <p:sldSz cx="9144000" cy="6858000" type="screen4x3"/>
   <p:notesSz cx="6858000" cy="9144000"/>
@@ -296,7 +304,7 @@
             <a:fld id="{52146219-D444-4949-8B82-1A0079A42925}" type="datetimeFigureOut">
               <a:rPr lang="en-US"/>
               <a:pPr/>
-              <a:t>12/19/11</a:t>
+              <a:t>1/3/12</a:t>
             </a:fld>
             <a:endParaRPr lang="en-US"/>
           </a:p>
@@ -461,7 +469,7 @@
             <a:fld id="{52146219-D444-4949-8B82-1A0079A42925}" type="datetimeFigureOut">
               <a:rPr lang="en-US"/>
               <a:pPr/>
-              <a:t>12/19/11</a:t>
+              <a:t>1/3/12</a:t>
             </a:fld>
             <a:endParaRPr lang="en-US"/>
           </a:p>
@@ -636,7 +644,7 @@
             <a:fld id="{52146219-D444-4949-8B82-1A0079A42925}" type="datetimeFigureOut">
               <a:rPr lang="en-US"/>
               <a:pPr/>
-              <a:t>12/19/11</a:t>
+              <a:t>1/3/12</a:t>
             </a:fld>
             <a:endParaRPr lang="en-US"/>
           </a:p>
@@ -801,7 +809,7 @@
             <a:fld id="{52146219-D444-4949-8B82-1A0079A42925}" type="datetimeFigureOut">
               <a:rPr lang="en-US"/>
               <a:pPr/>
-              <a:t>12/19/11</a:t>
+              <a:t>1/3/12</a:t>
             </a:fld>
             <a:endParaRPr lang="en-US"/>
           </a:p>
@@ -1043,7 +1051,7 @@
             <a:fld id="{52146219-D444-4949-8B82-1A0079A42925}" type="datetimeFigureOut">
               <a:rPr lang="en-US"/>
               <a:pPr/>
-              <a:t>12/19/11</a:t>
+              <a:t>1/3/12</a:t>
             </a:fld>
             <a:endParaRPr lang="en-US"/>
           </a:p>
@@ -1325,7 +1333,7 @@
             <a:fld id="{52146219-D444-4949-8B82-1A0079A42925}" type="datetimeFigureOut">
               <a:rPr lang="en-US"/>
               <a:pPr/>
-              <a:t>12/19/11</a:t>
+              <a:t>1/3/12</a:t>
             </a:fld>
             <a:endParaRPr lang="en-US"/>
           </a:p>
@@ -1741,7 +1749,7 @@
             <a:fld id="{52146219-D444-4949-8B82-1A0079A42925}" type="datetimeFigureOut">
               <a:rPr lang="en-US"/>
               <a:pPr/>
-              <a:t>12/19/11</a:t>
+              <a:t>1/3/12</a:t>
             </a:fld>
             <a:endParaRPr lang="en-US"/>
           </a:p>
@@ -1855,7 +1863,7 @@
             <a:fld id="{52146219-D444-4949-8B82-1A0079A42925}" type="datetimeFigureOut">
               <a:rPr lang="en-US"/>
               <a:pPr/>
-              <a:t>12/19/11</a:t>
+              <a:t>1/3/12</a:t>
             </a:fld>
             <a:endParaRPr lang="en-US"/>
           </a:p>
@@ -1947,7 +1955,7 @@
             <a:fld id="{52146219-D444-4949-8B82-1A0079A42925}" type="datetimeFigureOut">
               <a:rPr lang="en-US"/>
               <a:pPr/>
-              <a:t>12/19/11</a:t>
+              <a:t>1/3/12</a:t>
             </a:fld>
             <a:endParaRPr lang="en-US"/>
           </a:p>
@@ -2219,7 +2227,7 @@
             <a:fld id="{52146219-D444-4949-8B82-1A0079A42925}" type="datetimeFigureOut">
               <a:rPr lang="en-US"/>
               <a:pPr/>
-              <a:t>12/19/11</a:t>
+              <a:t>1/3/12</a:t>
             </a:fld>
             <a:endParaRPr lang="en-US"/>
           </a:p>
@@ -2468,7 +2476,7 @@
             <a:fld id="{52146219-D444-4949-8B82-1A0079A42925}" type="datetimeFigureOut">
               <a:rPr lang="en-US"/>
               <a:pPr/>
-              <a:t>12/19/11</a:t>
+              <a:t>1/3/12</a:t>
             </a:fld>
             <a:endParaRPr lang="en-US"/>
           </a:p>
@@ -2676,7 +2684,7 @@
             <a:fld id="{52146219-D444-4949-8B82-1A0079A42925}" type="datetimeFigureOut">
               <a:rPr lang="en-US"/>
               <a:pPr/>
-              <a:t>12/19/11</a:t>
+              <a:t>1/3/12</a:t>
             </a:fld>
             <a:endParaRPr lang="en-US"/>
           </a:p>
@@ -3133,7 +3141,7 @@
           <a:p>
             <a:r>
               <a:rPr lang="en-US"/>
-              <a:t>Setting Explanatory Variables</a:t>
+              <a:t>How a Model Is Fit</a:t>
             </a:r>
           </a:p>
         </p:txBody>
@@ -3155,17 +3163,189 @@
           <a:p>
             <a:r>
               <a:rPr lang="en-US"/>
-              <a:t>Specifies values for the predictor variables</a:t>
-            </a:r>
-          </a:p>
-          <a:p>
-            <a:r>
-              <a:rPr lang="en-US"/>
-              <a:t>Used to compute expected values</a:t>
-            </a:r>
-          </a:p>
-          <a:p>
-            <a:endParaRPr lang="en-US"/>
+              <a:t>The following two equations are equivalent:</a:t>
+            </a:r>
+          </a:p>
+          <a:p>
+            <a:pPr lvl="1"/>
+            <a:r>
+              <a:rPr lang="en-US">
+                <a:latin typeface="Times New Roman"/>
+                <a:cs typeface="Times New Roman"/>
+              </a:rPr>
+              <a:t>y = β</a:t>
+            </a:r>
+            <a:r>
+              <a:rPr lang="en-US" baseline="-25000">
+                <a:latin typeface="Times New Roman"/>
+                <a:cs typeface="Times New Roman"/>
+              </a:rPr>
+              <a:t>0</a:t>
+            </a:r>
+            <a:r>
+              <a:rPr lang="en-US">
+                <a:latin typeface="Times New Roman"/>
+                <a:cs typeface="Times New Roman"/>
+              </a:rPr>
+              <a:t> + β</a:t>
+            </a:r>
+            <a:r>
+              <a:rPr lang="en-US" baseline="-25000">
+                <a:latin typeface="Times New Roman"/>
+                <a:cs typeface="Times New Roman"/>
+              </a:rPr>
+              <a:t>1</a:t>
+            </a:r>
+            <a:r>
+              <a:rPr lang="en-US">
+                <a:latin typeface="Times New Roman"/>
+                <a:cs typeface="Times New Roman"/>
+              </a:rPr>
+              <a:t> </a:t>
+            </a:r>
+            <a:r>
+              <a:rPr lang="en-US" b="1">
+                <a:latin typeface="Times New Roman"/>
+                <a:cs typeface="Times New Roman"/>
+              </a:rPr>
+              <a:t>x</a:t>
+            </a:r>
+            <a:r>
+              <a:rPr lang="en-US" baseline="-25000">
+                <a:latin typeface="Times New Roman"/>
+                <a:cs typeface="Times New Roman"/>
+              </a:rPr>
+              <a:t>1</a:t>
+            </a:r>
+          </a:p>
+          <a:p>
+            <a:pPr lvl="1"/>
+            <a:r>
+              <a:rPr lang="en-US">
+                <a:latin typeface="Times New Roman"/>
+                <a:cs typeface="Times New Roman"/>
+              </a:rPr>
+              <a:t>y = </a:t>
+            </a:r>
+            <a:r>
+              <a:rPr lang="en-US" b="1">
+                <a:latin typeface="Times New Roman"/>
+                <a:cs typeface="Times New Roman"/>
+              </a:rPr>
+              <a:t>X</a:t>
+            </a:r>
+            <a:r>
+              <a:rPr lang="en-US">
+                <a:latin typeface="Times New Roman"/>
+                <a:cs typeface="Times New Roman"/>
+              </a:rPr>
+              <a:t> β</a:t>
+            </a:r>
+          </a:p>
+          <a:p>
+            <a:r>
+              <a:rPr lang="en-US"/>
+              <a:t>If we define</a:t>
+            </a:r>
+          </a:p>
+          <a:p>
+            <a:pPr lvl="1"/>
+            <a:r>
+              <a:rPr lang="en-US" b="1">
+                <a:latin typeface="Times New Roman"/>
+                <a:cs typeface="Times New Roman"/>
+              </a:rPr>
+              <a:t>X</a:t>
+            </a:r>
+            <a:r>
+              <a:rPr lang="en-US">
+                <a:latin typeface="Times New Roman"/>
+                <a:cs typeface="Times New Roman"/>
+              </a:rPr>
+              <a:t> = (</a:t>
+            </a:r>
+            <a:r>
+              <a:rPr lang="en-US" b="1">
+                <a:latin typeface="Times New Roman"/>
+                <a:cs typeface="Times New Roman"/>
+              </a:rPr>
+              <a:t>1</a:t>
+            </a:r>
+            <a:r>
+              <a:rPr lang="en-US">
+                <a:latin typeface="Times New Roman"/>
+                <a:cs typeface="Times New Roman"/>
+              </a:rPr>
+              <a:t> </a:t>
+            </a:r>
+            <a:r>
+              <a:rPr lang="en-US" b="1">
+                <a:latin typeface="Times New Roman"/>
+                <a:cs typeface="Times New Roman"/>
+              </a:rPr>
+              <a:t> x</a:t>
+            </a:r>
+            <a:r>
+              <a:rPr lang="en-US" baseline="-25000">
+                <a:latin typeface="Times New Roman"/>
+                <a:cs typeface="Times New Roman"/>
+              </a:rPr>
+              <a:t>1</a:t>
+            </a:r>
+            <a:r>
+              <a:rPr lang="en-US">
+                <a:latin typeface="Times New Roman"/>
+                <a:cs typeface="Times New Roman"/>
+              </a:rPr>
+              <a:t>)</a:t>
+            </a:r>
+          </a:p>
+          <a:p>
+            <a:pPr lvl="1"/>
+            <a:r>
+              <a:rPr lang="en-US">
+                <a:latin typeface="Times New Roman"/>
+                <a:cs typeface="Times New Roman"/>
+              </a:rPr>
+              <a:t>β = (β</a:t>
+            </a:r>
+            <a:r>
+              <a:rPr lang="en-US" baseline="-25000">
+                <a:latin typeface="Times New Roman"/>
+                <a:cs typeface="Times New Roman"/>
+              </a:rPr>
+              <a:t>0 </a:t>
+            </a:r>
+            <a:r>
+              <a:rPr lang="en-US">
+                <a:latin typeface="Times New Roman"/>
+                <a:cs typeface="Times New Roman"/>
+              </a:rPr>
+              <a:t> β</a:t>
+            </a:r>
+            <a:r>
+              <a:rPr lang="en-US" baseline="-25000">
+                <a:latin typeface="Times New Roman"/>
+                <a:cs typeface="Times New Roman"/>
+              </a:rPr>
+              <a:t>1</a:t>
+            </a:r>
+            <a:r>
+              <a:rPr lang="en-US">
+                <a:latin typeface="Times New Roman"/>
+                <a:cs typeface="Times New Roman"/>
+              </a:rPr>
+              <a:t> )</a:t>
+            </a:r>
+          </a:p>
+          <a:p>
+            <a:r>
+              <a:rPr lang="en-US">
+                <a:latin typeface="Calibri"/>
+                <a:cs typeface="Calibri"/>
+              </a:rPr>
+              <a:t>This leads to the definition and construction of the model matrix Ｘ</a:t>
+            </a:r>
           </a:p>
         </p:txBody>
       </p:sp>
@@ -3177,7 +3357,7 @@
 </p:sld>
 </file>
 
-<file path=ppt/slides/slide2.xml><?xml version="1.0" encoding="utf-8"?>
+<file path=ppt/slides/slide11.xml><?xml version="1.0" encoding="utf-8"?>
 <p:sld xmlns:a="http://schemas.openxmlformats.org/drawingml/2006/main" xmlns:r="http://schemas.openxmlformats.org/officeDocument/2006/relationships" xmlns:mc="http://schemas.openxmlformats.org/markup-compatibility/2006" xmlns:mv="urn:schemas-microsoft-com:mac:vml" xmlns:p="http://schemas.openxmlformats.org/presentationml/2006/main" mc:Ignorable="mv" mc:PreserveAttributes="mv:*">
   <p:cSld>
     <p:spTree>
@@ -3206,15 +3386,10 @@
         </p:nvSpPr>
         <p:spPr/>
         <p:txBody>
-          <a:bodyPr>
-            <a:normAutofit/>
-          </a:bodyPr>
-          <a:lstStyle/>
-          <a:p>
-            <a:r>
-              <a:rPr lang="en-US"/>
-              <a:t>Outline</a:t>
-            </a:r>
+          <a:bodyPr/>
+          <a:lstStyle/>
+          <a:p>
+            <a:endParaRPr lang="en-US"/>
           </a:p>
         </p:txBody>
       </p:sp>
@@ -3230,104 +3405,8 @@
         </p:nvSpPr>
         <p:spPr/>
         <p:txBody>
-          <a:bodyPr>
-            <a:normAutofit fontScale="92500" lnSpcReduction="20000"/>
-          </a:bodyPr>
-          <a:lstStyle/>
-          <a:p>
-            <a:pPr marL="514350" indent="-514350">
-              <a:buFont typeface="+mj-lt"/>
-              <a:buAutoNum type="arabicPeriod"/>
-            </a:pPr>
-            <a:r>
-              <a:rPr lang="en-US"/>
-              <a:t>Explanatory Variables</a:t>
-            </a:r>
-          </a:p>
-          <a:p>
-            <a:pPr marL="514350" indent="-514350">
-              <a:buFont typeface="+mj-lt"/>
-              <a:buAutoNum type="arabicPeriod"/>
-            </a:pPr>
-            <a:r>
-              <a:rPr lang="en-US"/>
-              <a:t>The Design Matrix</a:t>
-            </a:r>
-          </a:p>
-          <a:p>
-            <a:pPr marL="514350" indent="-514350">
-              <a:buFont typeface="+mj-lt"/>
-              <a:buAutoNum type="arabicPeriod"/>
-            </a:pPr>
-            <a:r>
-              <a:rPr lang="en-US"/>
-              <a:t>Simulating parameters</a:t>
-            </a:r>
-          </a:p>
-          <a:p>
-            <a:pPr marL="971550" lvl="1" indent="-514350">
-              <a:buFont typeface="Arial"/>
-              <a:buChar char="•"/>
-            </a:pPr>
-            <a:r>
-              <a:rPr lang="en-US"/>
-              <a:t>Using the fitted model</a:t>
-            </a:r>
-          </a:p>
-          <a:p>
-            <a:pPr marL="971550" lvl="1" indent="-514350">
-              <a:buFont typeface="Arial"/>
-              <a:buChar char="•"/>
-            </a:pPr>
-            <a:r>
-              <a:rPr lang="en-US"/>
-              <a:t>Maximum likelihood</a:t>
-            </a:r>
-          </a:p>
-          <a:p>
-            <a:pPr marL="514350" indent="-514350">
-              <a:buFont typeface="+mj-lt"/>
-              <a:buAutoNum type="arabicPeriod"/>
-            </a:pPr>
-            <a:r>
-              <a:rPr lang="en-US"/>
-              <a:t>Structure of a "param" method</a:t>
-            </a:r>
-          </a:p>
-          <a:p>
-            <a:pPr marL="514350" indent="-514350">
-              <a:buFont typeface="+mj-lt"/>
-              <a:buAutoNum type="arabicPeriod"/>
-            </a:pPr>
-            <a:r>
-              <a:rPr lang="en-US"/>
-              <a:t>Writing the "param" function</a:t>
-            </a:r>
-          </a:p>
-          <a:p>
-            <a:pPr marL="514350" indent="-514350">
-              <a:buFont typeface="+mj-lt"/>
-              <a:buAutoNum type="arabicPeriod"/>
-            </a:pPr>
-            <a:r>
-              <a:rPr lang="en-US"/>
-              <a:t>Looking ahead</a:t>
-            </a:r>
-          </a:p>
-          <a:p>
-            <a:pPr lvl="1"/>
-            <a:r>
-              <a:rPr lang="en-US"/>
-              <a:t>Quantities of Interest</a:t>
-            </a:r>
-          </a:p>
-          <a:p>
-            <a:pPr lvl="1"/>
-            <a:r>
-              <a:rPr lang="en-US"/>
-              <a:t>Statistical simulation!</a:t>
-            </a:r>
-          </a:p>
+          <a:bodyPr/>
+          <a:lstStyle/>
           <a:p>
             <a:endParaRPr lang="en-US"/>
           </a:p>
@@ -3341,73 +3420,7 @@
 </p:sld>
 </file>
 
-<file path=ppt/slides/slide3.xml><?xml version="1.0" encoding="utf-8"?>
-<p:sld xmlns:a="http://schemas.openxmlformats.org/drawingml/2006/main" xmlns:r="http://schemas.openxmlformats.org/officeDocument/2006/relationships" xmlns:mc="http://schemas.openxmlformats.org/markup-compatibility/2006" xmlns:mv="urn:schemas-microsoft-com:mac:vml" xmlns:p="http://schemas.openxmlformats.org/presentationml/2006/main" mc:Ignorable="mv" mc:PreserveAttributes="mv:*">
-  <p:cSld>
-    <p:spTree>
-      <p:nvGrpSpPr>
-        <p:cNvPr id="1" name=""/>
-        <p:cNvGrpSpPr/>
-        <p:nvPr/>
-      </p:nvGrpSpPr>
-      <p:grpSpPr>
-        <a:xfrm>
-          <a:off x="0" y="0"/>
-          <a:ext cx="0" cy="0"/>
-          <a:chOff x="0" y="0"/>
-          <a:chExt cx="0" cy="0"/>
-        </a:xfrm>
-      </p:grpSpPr>
-      <p:sp>
-        <p:nvSpPr>
-          <p:cNvPr id="4" name="Title 3"/>
-          <p:cNvSpPr>
-            <a:spLocks noGrp="1"/>
-          </p:cNvSpPr>
-          <p:nvPr>
-            <p:ph type="ctrTitle"/>
-          </p:nvPr>
-        </p:nvSpPr>
-        <p:spPr/>
-        <p:txBody>
-          <a:bodyPr/>
-          <a:lstStyle/>
-          <a:p>
-            <a:r>
-              <a:rPr lang="en-US"/>
-              <a:t>Explanatory Variables</a:t>
-            </a:r>
-          </a:p>
-        </p:txBody>
-      </p:sp>
-      <p:sp>
-        <p:nvSpPr>
-          <p:cNvPr id="5" name="Subtitle 4"/>
-          <p:cNvSpPr>
-            <a:spLocks noGrp="1"/>
-          </p:cNvSpPr>
-          <p:nvPr>
-            <p:ph type="subTitle" idx="1"/>
-          </p:nvPr>
-        </p:nvSpPr>
-        <p:spPr/>
-        <p:txBody>
-          <a:bodyPr/>
-          <a:lstStyle/>
-          <a:p>
-            <a:endParaRPr lang="en-US"/>
-          </a:p>
-        </p:txBody>
-      </p:sp>
-    </p:spTree>
-  </p:cSld>
-  <p:clrMapOvr>
-    <a:masterClrMapping/>
-  </p:clrMapOvr>
-</p:sld>
-</file>
-
-<file path=ppt/slides/slide4.xml><?xml version="1.0" encoding="utf-8"?>
+<file path=ppt/slides/slide12.xml><?xml version="1.0" encoding="utf-8"?>
 <p:sld xmlns:a="http://schemas.openxmlformats.org/drawingml/2006/main" xmlns:r="http://schemas.openxmlformats.org/officeDocument/2006/relationships" xmlns:mc="http://schemas.openxmlformats.org/markup-compatibility/2006" xmlns:mv="urn:schemas-microsoft-com:mac:vml" xmlns:p="http://schemas.openxmlformats.org/presentationml/2006/main" mc:Ignorable="mv" mc:PreserveAttributes="mv:*">
   <p:cSld>
     <p:spTree>
@@ -3987,7 +4000,7 @@
 </p:sld>
 </file>
 
-<file path=ppt/slides/slide5.xml><?xml version="1.0" encoding="utf-8"?>
+<file path=ppt/slides/slide13.xml><?xml version="1.0" encoding="utf-8"?>
 <p:sld xmlns:a="http://schemas.openxmlformats.org/drawingml/2006/main" xmlns:r="http://schemas.openxmlformats.org/officeDocument/2006/relationships" xmlns:mc="http://schemas.openxmlformats.org/markup-compatibility/2006" xmlns:mv="urn:schemas-microsoft-com:mac:vml" xmlns:p="http://schemas.openxmlformats.org/presentationml/2006/main" mc:Ignorable="mv" mc:PreserveAttributes="mv:*">
   <p:cSld>
     <p:spTree>
@@ -4695,7 +4708,7 @@
 </p:sld>
 </file>
 
-<file path=ppt/slides/slide6.xml><?xml version="1.0" encoding="utf-8"?>
+<file path=ppt/slides/slide14.xml><?xml version="1.0" encoding="utf-8"?>
 <p:sld xmlns:a="http://schemas.openxmlformats.org/drawingml/2006/main" xmlns:r="http://schemas.openxmlformats.org/officeDocument/2006/relationships" xmlns:mc="http://schemas.openxmlformats.org/markup-compatibility/2006" xmlns:mv="urn:schemas-microsoft-com:mac:vml" xmlns:p="http://schemas.openxmlformats.org/presentationml/2006/main" mc:Ignorable="mv" mc:PreserveAttributes="mv:*">
   <p:cSld>
     <p:spTree>
@@ -5262,6 +5275,1064 @@
 </p:sld>
 </file>
 
+<file path=ppt/slides/slide15.xml><?xml version="1.0" encoding="utf-8"?>
+<p:sld xmlns:a="http://schemas.openxmlformats.org/drawingml/2006/main" xmlns:r="http://schemas.openxmlformats.org/officeDocument/2006/relationships" xmlns:mc="http://schemas.openxmlformats.org/markup-compatibility/2006" xmlns:mv="urn:schemas-microsoft-com:mac:vml" xmlns:p="http://schemas.openxmlformats.org/presentationml/2006/main" mc:Ignorable="mv" mc:PreserveAttributes="mv:*">
+  <p:cSld>
+    <p:spTree>
+      <p:nvGrpSpPr>
+        <p:cNvPr id="1" name=""/>
+        <p:cNvGrpSpPr/>
+        <p:nvPr/>
+      </p:nvGrpSpPr>
+      <p:grpSpPr>
+        <a:xfrm>
+          <a:off x="0" y="0"/>
+          <a:ext cx="0" cy="0"/>
+          <a:chOff x="0" y="0"/>
+          <a:chExt cx="0" cy="0"/>
+        </a:xfrm>
+      </p:grpSpPr>
+      <p:sp>
+        <p:nvSpPr>
+          <p:cNvPr id="2" name="Title 1"/>
+          <p:cNvSpPr>
+            <a:spLocks noGrp="1"/>
+          </p:cNvSpPr>
+          <p:nvPr>
+            <p:ph type="title"/>
+          </p:nvPr>
+        </p:nvSpPr>
+        <p:spPr/>
+        <p:txBody>
+          <a:bodyPr/>
+          <a:lstStyle/>
+          <a:p>
+            <a:r>
+              <a:rPr lang="en-US"/>
+              <a:t>Statistical Simulation</a:t>
+            </a:r>
+          </a:p>
+        </p:txBody>
+      </p:sp>
+      <p:sp>
+        <p:nvSpPr>
+          <p:cNvPr id="3" name="Content Placeholder 2"/>
+          <p:cNvSpPr>
+            <a:spLocks noGrp="1"/>
+          </p:cNvSpPr>
+          <p:nvPr>
+            <p:ph idx="1"/>
+          </p:nvPr>
+        </p:nvSpPr>
+        <p:spPr/>
+        <p:txBody>
+          <a:bodyPr/>
+          <a:lstStyle/>
+          <a:p>
+            <a:r>
+              <a:rPr lang="en-US"/>
+              <a:t>Most quantities of interest can be simulated using statistical simulation</a:t>
+            </a:r>
+          </a:p>
+          <a:p>
+            <a:pPr lvl="1"/>
+            <a:r>
+              <a:rPr lang="en-US"/>
+              <a:t>Expected Values</a:t>
+            </a:r>
+          </a:p>
+          <a:p>
+            <a:pPr lvl="1"/>
+            <a:r>
+              <a:rPr lang="en-US"/>
+              <a:t>Predicted Values</a:t>
+            </a:r>
+          </a:p>
+          <a:p>
+            <a:pPr lvl="1"/>
+            <a:r>
+              <a:rPr lang="en-US"/>
+              <a:t>Risk Ratios</a:t>
+            </a:r>
+          </a:p>
+          <a:p>
+            <a:pPr lvl="1"/>
+            <a:r>
+              <a:rPr lang="en-US"/>
+              <a:t>First Differences</a:t>
+            </a:r>
+          </a:p>
+          <a:p>
+            <a:pPr lvl="1"/>
+            <a:r>
+              <a:rPr lang="en-US"/>
+              <a:t>Average Treatment Effect</a:t>
+            </a:r>
+          </a:p>
+          <a:p>
+            <a:r>
+              <a:rPr lang="en-US"/>
+              <a:t>Most of these are based on "Expected Values"</a:t>
+            </a:r>
+          </a:p>
+        </p:txBody>
+      </p:sp>
+    </p:spTree>
+  </p:cSld>
+  <p:clrMapOvr>
+    <a:masterClrMapping/>
+  </p:clrMapOvr>
+</p:sld>
+</file>
+
+<file path=ppt/slides/slide16.xml><?xml version="1.0" encoding="utf-8"?>
+<p:sld xmlns:a="http://schemas.openxmlformats.org/drawingml/2006/main" xmlns:r="http://schemas.openxmlformats.org/officeDocument/2006/relationships" xmlns:mc="http://schemas.openxmlformats.org/markup-compatibility/2006" xmlns:mv="urn:schemas-microsoft-com:mac:vml" xmlns:p="http://schemas.openxmlformats.org/presentationml/2006/main" mc:Ignorable="mv" mc:PreserveAttributes="mv:*">
+  <p:cSld>
+    <p:spTree>
+      <p:nvGrpSpPr>
+        <p:cNvPr id="1" name=""/>
+        <p:cNvGrpSpPr/>
+        <p:nvPr/>
+      </p:nvGrpSpPr>
+      <p:grpSpPr>
+        <a:xfrm>
+          <a:off x="0" y="0"/>
+          <a:ext cx="0" cy="0"/>
+          <a:chOff x="0" y="0"/>
+          <a:chExt cx="0" cy="0"/>
+        </a:xfrm>
+      </p:grpSpPr>
+      <p:sp>
+        <p:nvSpPr>
+          <p:cNvPr id="2" name="Title 1"/>
+          <p:cNvSpPr>
+            <a:spLocks noGrp="1"/>
+          </p:cNvSpPr>
+          <p:nvPr>
+            <p:ph type="title"/>
+          </p:nvPr>
+        </p:nvSpPr>
+        <p:spPr/>
+        <p:txBody>
+          <a:bodyPr/>
+          <a:lstStyle/>
+          <a:p>
+            <a:r>
+              <a:rPr lang="en-US"/>
+              <a:t>Statistical Simulation</a:t>
+            </a:r>
+          </a:p>
+        </p:txBody>
+      </p:sp>
+      <p:sp>
+        <p:nvSpPr>
+          <p:cNvPr id="3" name="Content Placeholder 2"/>
+          <p:cNvSpPr>
+            <a:spLocks noGrp="1"/>
+          </p:cNvSpPr>
+          <p:nvPr>
+            <p:ph idx="1"/>
+          </p:nvPr>
+        </p:nvSpPr>
+        <p:spPr/>
+        <p:txBody>
+          <a:bodyPr/>
+          <a:lstStyle/>
+          <a:p>
+            <a:r>
+              <a:rPr lang="en-US"/>
+              <a:t>Can be reduced to matrix multiplication</a:t>
+            </a:r>
+          </a:p>
+          <a:p>
+            <a:r>
+              <a:rPr lang="en-US"/>
+              <a:t>Why?</a:t>
+            </a:r>
+          </a:p>
+          <a:p>
+            <a:pPr lvl="1"/>
+            <a:r>
+              <a:rPr lang="en-US"/>
+              <a:t>f(y) = b0 + b1 x1 + b2 x2 + … + bn * xn</a:t>
+            </a:r>
+          </a:p>
+          <a:p>
+            <a:pPr lvl="1"/>
+            <a:r>
+              <a:rPr lang="en-US"/>
+              <a:t>Where b0 … bn are the simulated parameters</a:t>
+            </a:r>
+          </a:p>
+          <a:p>
+            <a:pPr lvl="1"/>
+            <a:r>
+              <a:rPr lang="en-US"/>
+              <a:t>x1 to xn are the values we specied in the "setx" function</a:t>
+            </a:r>
+          </a:p>
+          <a:p>
+            <a:pPr lvl="1"/>
+            <a:r>
+              <a:rPr lang="en-US"/>
+              <a:t>The result gives us a value for f(y), applying the inverse function</a:t>
+            </a:r>
+          </a:p>
+          <a:p>
+            <a:pPr lvl="1"/>
+            <a:endParaRPr lang="en-US"/>
+          </a:p>
+          <a:p>
+            <a:endParaRPr lang="en-US"/>
+          </a:p>
+          <a:p>
+            <a:endParaRPr lang="en-US"/>
+          </a:p>
+        </p:txBody>
+      </p:sp>
+    </p:spTree>
+  </p:cSld>
+  <p:clrMapOvr>
+    <a:masterClrMapping/>
+  </p:clrMapOvr>
+</p:sld>
+</file>
+
+<file path=ppt/slides/slide17.xml><?xml version="1.0" encoding="utf-8"?>
+<p:sld xmlns:a="http://schemas.openxmlformats.org/drawingml/2006/main" xmlns:r="http://schemas.openxmlformats.org/officeDocument/2006/relationships" xmlns:mc="http://schemas.openxmlformats.org/markup-compatibility/2006" xmlns:mv="urn:schemas-microsoft-com:mac:vml" xmlns:p="http://schemas.openxmlformats.org/presentationml/2006/main" mc:Ignorable="mv" mc:PreserveAttributes="mv:*">
+  <p:cSld>
+    <p:spTree>
+      <p:nvGrpSpPr>
+        <p:cNvPr id="1" name=""/>
+        <p:cNvGrpSpPr/>
+        <p:nvPr/>
+      </p:nvGrpSpPr>
+      <p:grpSpPr>
+        <a:xfrm>
+          <a:off x="0" y="0"/>
+          <a:ext cx="0" cy="0"/>
+          <a:chOff x="0" y="0"/>
+          <a:chExt cx="0" cy="0"/>
+        </a:xfrm>
+      </p:grpSpPr>
+      <p:sp>
+        <p:nvSpPr>
+          <p:cNvPr id="2" name="Title 1"/>
+          <p:cNvSpPr>
+            <a:spLocks noGrp="1"/>
+          </p:cNvSpPr>
+          <p:nvPr>
+            <p:ph type="title"/>
+          </p:nvPr>
+        </p:nvSpPr>
+        <p:spPr/>
+        <p:txBody>
+          <a:bodyPr/>
+          <a:lstStyle/>
+          <a:p>
+            <a:r>
+              <a:rPr lang="en-US"/>
+              <a:t>Statistical Simulation</a:t>
+            </a:r>
+          </a:p>
+        </p:txBody>
+      </p:sp>
+      <p:sp>
+        <p:nvSpPr>
+          <p:cNvPr id="3" name="Content Placeholder 2"/>
+          <p:cNvSpPr>
+            <a:spLocks noGrp="1"/>
+          </p:cNvSpPr>
+          <p:nvPr>
+            <p:ph idx="1"/>
+          </p:nvPr>
+        </p:nvSpPr>
+        <p:spPr/>
+        <p:txBody>
+          <a:bodyPr/>
+          <a:lstStyle/>
+          <a:p>
+            <a:r>
+              <a:rPr lang="en-US"/>
+              <a:t>f(yi) = b0 + xi,1 * b1 + xi,2 * b2 + …</a:t>
+            </a:r>
+          </a:p>
+          <a:p>
+            <a:r>
+              <a:rPr lang="en-US"/>
+              <a:t>The variance-covariance matrix specifies the correlation of parameters to one another of the fitted model</a:t>
+            </a:r>
+          </a:p>
+          <a:p>
+            <a:r>
+              <a:rPr lang="en-US"/>
+              <a:t>The </a:t>
+            </a:r>
+          </a:p>
+        </p:txBody>
+      </p:sp>
+    </p:spTree>
+  </p:cSld>
+  <p:clrMapOvr>
+    <a:masterClrMapping/>
+  </p:clrMapOvr>
+</p:sld>
+</file>
+
+<file path=ppt/slides/slide18.xml><?xml version="1.0" encoding="utf-8"?>
+<p:sld xmlns:a="http://schemas.openxmlformats.org/drawingml/2006/main" xmlns:r="http://schemas.openxmlformats.org/officeDocument/2006/relationships" xmlns:mc="http://schemas.openxmlformats.org/markup-compatibility/2006" xmlns:mv="urn:schemas-microsoft-com:mac:vml" xmlns:p="http://schemas.openxmlformats.org/presentationml/2006/main" mc:Ignorable="mv" mc:PreserveAttributes="mv:*">
+  <p:cSld>
+    <p:spTree>
+      <p:nvGrpSpPr>
+        <p:cNvPr id="1" name=""/>
+        <p:cNvGrpSpPr/>
+        <p:nvPr/>
+      </p:nvGrpSpPr>
+      <p:grpSpPr>
+        <a:xfrm>
+          <a:off x="0" y="0"/>
+          <a:ext cx="0" cy="0"/>
+          <a:chOff x="0" y="0"/>
+          <a:chExt cx="0" cy="0"/>
+        </a:xfrm>
+      </p:grpSpPr>
+      <p:sp>
+        <p:nvSpPr>
+          <p:cNvPr id="2" name="Title 1"/>
+          <p:cNvSpPr>
+            <a:spLocks noGrp="1"/>
+          </p:cNvSpPr>
+          <p:nvPr>
+            <p:ph type="title"/>
+          </p:nvPr>
+        </p:nvSpPr>
+        <p:spPr/>
+        <p:txBody>
+          <a:bodyPr/>
+          <a:lstStyle/>
+          <a:p>
+            <a:r>
+              <a:rPr lang="en-US"/>
+              <a:t>Setting Explanatory Variables</a:t>
+            </a:r>
+          </a:p>
+        </p:txBody>
+      </p:sp>
+      <p:sp>
+        <p:nvSpPr>
+          <p:cNvPr id="3" name="Content Placeholder 2"/>
+          <p:cNvSpPr>
+            <a:spLocks noGrp="1"/>
+          </p:cNvSpPr>
+          <p:nvPr>
+            <p:ph idx="1"/>
+          </p:nvPr>
+        </p:nvSpPr>
+        <p:spPr/>
+        <p:txBody>
+          <a:bodyPr/>
+          <a:lstStyle/>
+          <a:p>
+            <a:r>
+              <a:rPr lang="en-US"/>
+              <a:t>Specifies values for the predictor variables</a:t>
+            </a:r>
+          </a:p>
+          <a:p>
+            <a:r>
+              <a:rPr lang="en-US"/>
+              <a:t>Used to compute expected values</a:t>
+            </a:r>
+          </a:p>
+          <a:p>
+            <a:endParaRPr lang="en-US"/>
+          </a:p>
+        </p:txBody>
+      </p:sp>
+    </p:spTree>
+  </p:cSld>
+  <p:clrMapOvr>
+    <a:masterClrMapping/>
+  </p:clrMapOvr>
+</p:sld>
+</file>
+
+<file path=ppt/slides/slide2.xml><?xml version="1.0" encoding="utf-8"?>
+<p:sld xmlns:a="http://schemas.openxmlformats.org/drawingml/2006/main" xmlns:r="http://schemas.openxmlformats.org/officeDocument/2006/relationships" xmlns:mc="http://schemas.openxmlformats.org/markup-compatibility/2006" xmlns:mv="urn:schemas-microsoft-com:mac:vml" xmlns:p="http://schemas.openxmlformats.org/presentationml/2006/main" mc:Ignorable="mv" mc:PreserveAttributes="mv:*">
+  <p:cSld>
+    <p:spTree>
+      <p:nvGrpSpPr>
+        <p:cNvPr id="1" name=""/>
+        <p:cNvGrpSpPr/>
+        <p:nvPr/>
+      </p:nvGrpSpPr>
+      <p:grpSpPr>
+        <a:xfrm>
+          <a:off x="0" y="0"/>
+          <a:ext cx="0" cy="0"/>
+          <a:chOff x="0" y="0"/>
+          <a:chExt cx="0" cy="0"/>
+        </a:xfrm>
+      </p:grpSpPr>
+      <p:sp>
+        <p:nvSpPr>
+          <p:cNvPr id="2" name="Title 1"/>
+          <p:cNvSpPr>
+            <a:spLocks noGrp="1"/>
+          </p:cNvSpPr>
+          <p:nvPr>
+            <p:ph type="title"/>
+          </p:nvPr>
+        </p:nvSpPr>
+        <p:spPr/>
+        <p:txBody>
+          <a:bodyPr>
+            <a:normAutofit/>
+          </a:bodyPr>
+          <a:lstStyle/>
+          <a:p>
+            <a:r>
+              <a:rPr lang="en-US"/>
+              <a:t>Outline</a:t>
+            </a:r>
+          </a:p>
+        </p:txBody>
+      </p:sp>
+      <p:sp>
+        <p:nvSpPr>
+          <p:cNvPr id="3" name="Content Placeholder 2"/>
+          <p:cNvSpPr>
+            <a:spLocks noGrp="1"/>
+          </p:cNvSpPr>
+          <p:nvPr>
+            <p:ph idx="1"/>
+          </p:nvPr>
+        </p:nvSpPr>
+        <p:spPr/>
+        <p:txBody>
+          <a:bodyPr>
+            <a:normAutofit fontScale="92500" lnSpcReduction="20000"/>
+          </a:bodyPr>
+          <a:lstStyle/>
+          <a:p>
+            <a:pPr marL="514350" indent="-514350">
+              <a:buFont typeface="+mj-lt"/>
+              <a:buAutoNum type="arabicPeriod"/>
+            </a:pPr>
+            <a:r>
+              <a:rPr lang="en-US"/>
+              <a:t>Explanatory Variables</a:t>
+            </a:r>
+          </a:p>
+          <a:p>
+            <a:pPr marL="514350" indent="-514350">
+              <a:buFont typeface="+mj-lt"/>
+              <a:buAutoNum type="arabicPeriod"/>
+            </a:pPr>
+            <a:r>
+              <a:rPr lang="en-US"/>
+              <a:t>The Design Matrix</a:t>
+            </a:r>
+          </a:p>
+          <a:p>
+            <a:pPr marL="514350" indent="-514350">
+              <a:buFont typeface="+mj-lt"/>
+              <a:buAutoNum type="arabicPeriod"/>
+            </a:pPr>
+            <a:r>
+              <a:rPr lang="en-US"/>
+              <a:t>Simulating parameters</a:t>
+            </a:r>
+          </a:p>
+          <a:p>
+            <a:pPr marL="971550" lvl="1" indent="-514350">
+              <a:buFont typeface="Arial"/>
+              <a:buChar char="•"/>
+            </a:pPr>
+            <a:r>
+              <a:rPr lang="en-US"/>
+              <a:t>Using the fitted model</a:t>
+            </a:r>
+          </a:p>
+          <a:p>
+            <a:pPr marL="971550" lvl="1" indent="-514350">
+              <a:buFont typeface="Arial"/>
+              <a:buChar char="•"/>
+            </a:pPr>
+            <a:r>
+              <a:rPr lang="en-US"/>
+              <a:t>Maximum likelihood</a:t>
+            </a:r>
+          </a:p>
+          <a:p>
+            <a:pPr marL="514350" indent="-514350">
+              <a:buFont typeface="+mj-lt"/>
+              <a:buAutoNum type="arabicPeriod"/>
+            </a:pPr>
+            <a:r>
+              <a:rPr lang="en-US"/>
+              <a:t>Structure of a "param" method</a:t>
+            </a:r>
+          </a:p>
+          <a:p>
+            <a:pPr marL="514350" indent="-514350">
+              <a:buFont typeface="+mj-lt"/>
+              <a:buAutoNum type="arabicPeriod"/>
+            </a:pPr>
+            <a:r>
+              <a:rPr lang="en-US"/>
+              <a:t>Writing the "param" function</a:t>
+            </a:r>
+          </a:p>
+          <a:p>
+            <a:pPr marL="514350" indent="-514350">
+              <a:buFont typeface="+mj-lt"/>
+              <a:buAutoNum type="arabicPeriod"/>
+            </a:pPr>
+            <a:r>
+              <a:rPr lang="en-US"/>
+              <a:t>Looking ahead</a:t>
+            </a:r>
+          </a:p>
+          <a:p>
+            <a:pPr lvl="1"/>
+            <a:r>
+              <a:rPr lang="en-US"/>
+              <a:t>Quantities of Interest</a:t>
+            </a:r>
+          </a:p>
+          <a:p>
+            <a:pPr lvl="1"/>
+            <a:r>
+              <a:rPr lang="en-US"/>
+              <a:t>Statistical simulation!</a:t>
+            </a:r>
+          </a:p>
+          <a:p>
+            <a:endParaRPr lang="en-US"/>
+          </a:p>
+        </p:txBody>
+      </p:sp>
+    </p:spTree>
+  </p:cSld>
+  <p:clrMapOvr>
+    <a:masterClrMapping/>
+  </p:clrMapOvr>
+</p:sld>
+</file>
+
+<file path=ppt/slides/slide3.xml><?xml version="1.0" encoding="utf-8"?>
+<p:sld xmlns:a="http://schemas.openxmlformats.org/drawingml/2006/main" xmlns:r="http://schemas.openxmlformats.org/officeDocument/2006/relationships" xmlns:mc="http://schemas.openxmlformats.org/markup-compatibility/2006" xmlns:mv="urn:schemas-microsoft-com:mac:vml" xmlns:p="http://schemas.openxmlformats.org/presentationml/2006/main" mc:Ignorable="mv" mc:PreserveAttributes="mv:*">
+  <p:cSld>
+    <p:spTree>
+      <p:nvGrpSpPr>
+        <p:cNvPr id="1" name=""/>
+        <p:cNvGrpSpPr/>
+        <p:nvPr/>
+      </p:nvGrpSpPr>
+      <p:grpSpPr>
+        <a:xfrm>
+          <a:off x="0" y="0"/>
+          <a:ext cx="0" cy="0"/>
+          <a:chOff x="0" y="0"/>
+          <a:chExt cx="0" cy="0"/>
+        </a:xfrm>
+      </p:grpSpPr>
+      <p:sp>
+        <p:nvSpPr>
+          <p:cNvPr id="4" name="Title 3"/>
+          <p:cNvSpPr>
+            <a:spLocks noGrp="1"/>
+          </p:cNvSpPr>
+          <p:nvPr>
+            <p:ph type="ctrTitle"/>
+          </p:nvPr>
+        </p:nvSpPr>
+        <p:spPr/>
+        <p:txBody>
+          <a:bodyPr/>
+          <a:lstStyle/>
+          <a:p>
+            <a:r>
+              <a:rPr lang="en-US"/>
+              <a:t>Explanatory Variables</a:t>
+            </a:r>
+          </a:p>
+        </p:txBody>
+      </p:sp>
+      <p:sp>
+        <p:nvSpPr>
+          <p:cNvPr id="5" name="Subtitle 4"/>
+          <p:cNvSpPr>
+            <a:spLocks noGrp="1"/>
+          </p:cNvSpPr>
+          <p:nvPr>
+            <p:ph type="subTitle" idx="1"/>
+          </p:nvPr>
+        </p:nvSpPr>
+        <p:spPr/>
+        <p:txBody>
+          <a:bodyPr/>
+          <a:lstStyle/>
+          <a:p>
+            <a:endParaRPr lang="en-US"/>
+          </a:p>
+        </p:txBody>
+      </p:sp>
+    </p:spTree>
+  </p:cSld>
+  <p:clrMapOvr>
+    <a:masterClrMapping/>
+  </p:clrMapOvr>
+</p:sld>
+</file>
+
+<file path=ppt/slides/slide4.xml><?xml version="1.0" encoding="utf-8"?>
+<p:sld xmlns:a="http://schemas.openxmlformats.org/drawingml/2006/main" xmlns:r="http://schemas.openxmlformats.org/officeDocument/2006/relationships" xmlns:mc="http://schemas.openxmlformats.org/markup-compatibility/2006" xmlns:mv="urn:schemas-microsoft-com:mac:vml" xmlns:p="http://schemas.openxmlformats.org/presentationml/2006/main" mc:Ignorable="mv" mc:PreserveAttributes="mv:*">
+  <p:cSld>
+    <p:spTree>
+      <p:nvGrpSpPr>
+        <p:cNvPr id="1" name=""/>
+        <p:cNvGrpSpPr/>
+        <p:nvPr/>
+      </p:nvGrpSpPr>
+      <p:grpSpPr>
+        <a:xfrm>
+          <a:off x="0" y="0"/>
+          <a:ext cx="0" cy="0"/>
+          <a:chOff x="0" y="0"/>
+          <a:chExt cx="0" cy="0"/>
+        </a:xfrm>
+      </p:grpSpPr>
+      <p:sp>
+        <p:nvSpPr>
+          <p:cNvPr id="2" name="Title 1"/>
+          <p:cNvSpPr>
+            <a:spLocks noGrp="1"/>
+          </p:cNvSpPr>
+          <p:nvPr>
+            <p:ph type="title"/>
+          </p:nvPr>
+        </p:nvSpPr>
+        <p:spPr/>
+        <p:txBody>
+          <a:bodyPr/>
+          <a:lstStyle/>
+          <a:p>
+            <a:r>
+              <a:rPr lang="en-US"/>
+              <a:t>Example</a:t>
+            </a:r>
+          </a:p>
+        </p:txBody>
+      </p:sp>
+      <p:sp>
+        <p:nvSpPr>
+          <p:cNvPr id="3" name="Content Placeholder 2"/>
+          <p:cNvSpPr>
+            <a:spLocks noGrp="1"/>
+          </p:cNvSpPr>
+          <p:nvPr>
+            <p:ph idx="1"/>
+          </p:nvPr>
+        </p:nvSpPr>
+        <p:spPr/>
+        <p:txBody>
+          <a:bodyPr>
+            <a:normAutofit lnSpcReduction="10000"/>
+          </a:bodyPr>
+          <a:lstStyle/>
+          <a:p>
+            <a:r>
+              <a:rPr lang="en-US"/>
+              <a:t>Predict the likelihood a sample person will vote, given that they are age 23 and have graduated highschool (finished the 14</a:t>
+            </a:r>
+            <a:r>
+              <a:rPr lang="en-US" baseline="30000"/>
+              <a:t>th</a:t>
+            </a:r>
+            <a:r>
+              <a:rPr lang="en-US"/>
+              <a:t> grade of school)</a:t>
+            </a:r>
+          </a:p>
+          <a:p>
+            <a:r>
+              <a:rPr lang="en-US"/>
+              <a:t>Three parts:</a:t>
+            </a:r>
+          </a:p>
+          <a:p>
+            <a:pPr lvl="1"/>
+            <a:r>
+              <a:rPr lang="en-US"/>
+              <a:t>Fit the statistical data using a regression model</a:t>
+            </a:r>
+          </a:p>
+          <a:p>
+            <a:pPr lvl="1"/>
+            <a:r>
+              <a:rPr lang="en-US"/>
+              <a:t>Specify the age and education level of the sample person</a:t>
+            </a:r>
+          </a:p>
+          <a:p>
+            <a:pPr lvl="1"/>
+            <a:r>
+              <a:rPr lang="en-US"/>
+              <a:t>Simulate the results</a:t>
+            </a:r>
+          </a:p>
+        </p:txBody>
+      </p:sp>
+    </p:spTree>
+  </p:cSld>
+  <p:clrMapOvr>
+    <a:masterClrMapping/>
+  </p:clrMapOvr>
+</p:sld>
+</file>
+
+<file path=ppt/slides/slide5.xml><?xml version="1.0" encoding="utf-8"?>
+<p:sld xmlns:a="http://schemas.openxmlformats.org/drawingml/2006/main" xmlns:r="http://schemas.openxmlformats.org/officeDocument/2006/relationships" xmlns:mc="http://schemas.openxmlformats.org/markup-compatibility/2006" xmlns:mv="urn:schemas-microsoft-com:mac:vml" xmlns:p="http://schemas.openxmlformats.org/presentationml/2006/main" mc:Ignorable="mv" mc:PreserveAttributes="mv:*">
+  <p:cSld>
+    <p:spTree>
+      <p:nvGrpSpPr>
+        <p:cNvPr id="1" name=""/>
+        <p:cNvGrpSpPr/>
+        <p:nvPr/>
+      </p:nvGrpSpPr>
+      <p:grpSpPr>
+        <a:xfrm>
+          <a:off x="0" y="0"/>
+          <a:ext cx="0" cy="0"/>
+          <a:chOff x="0" y="0"/>
+          <a:chExt cx="0" cy="0"/>
+        </a:xfrm>
+      </p:grpSpPr>
+      <p:sp>
+        <p:nvSpPr>
+          <p:cNvPr id="2" name="Title 1"/>
+          <p:cNvSpPr>
+            <a:spLocks noGrp="1"/>
+          </p:cNvSpPr>
+          <p:nvPr>
+            <p:ph type="title"/>
+          </p:nvPr>
+        </p:nvSpPr>
+        <p:spPr/>
+        <p:txBody>
+          <a:bodyPr/>
+          <a:lstStyle/>
+          <a:p>
+            <a:r>
+              <a:rPr lang="en-US"/>
+              <a:t>What are Explanatory Variables?</a:t>
+            </a:r>
+          </a:p>
+        </p:txBody>
+      </p:sp>
+      <p:sp>
+        <p:nvSpPr>
+          <p:cNvPr id="3" name="Content Placeholder 2"/>
+          <p:cNvSpPr>
+            <a:spLocks noGrp="1"/>
+          </p:cNvSpPr>
+          <p:nvPr>
+            <p:ph idx="1"/>
+          </p:nvPr>
+        </p:nvSpPr>
+        <p:spPr/>
+        <p:txBody>
+          <a:bodyPr/>
+          <a:lstStyle/>
+          <a:p>
+            <a:r>
+              <a:rPr lang="en-US"/>
+              <a:t>Specify values for the linear predictors</a:t>
+            </a:r>
+          </a:p>
+          <a:p>
+            <a:r>
+              <a:rPr lang="en-US"/>
+              <a:t>Specify conditional values</a:t>
+            </a:r>
+          </a:p>
+          <a:p>
+            <a:r>
+              <a:rPr lang="en-US"/>
+              <a:t>What is the outcome if a variable has a specific value?</a:t>
+            </a:r>
+          </a:p>
+          <a:p>
+            <a:r>
+              <a:rPr lang="en-US"/>
+              <a:t>Specifically, sets the values for X in:</a:t>
+            </a:r>
+          </a:p>
+          <a:p>
+            <a:pPr lvl="1"/>
+            <a:r>
+              <a:rPr lang="en-US"/>
+              <a:t>E(Y|X)</a:t>
+            </a:r>
+          </a:p>
+          <a:p>
+            <a:r>
+              <a:rPr lang="en-US"/>
+              <a:t>Expected value of Y given the condition X</a:t>
+            </a:r>
+          </a:p>
+        </p:txBody>
+      </p:sp>
+    </p:spTree>
+  </p:cSld>
+  <p:clrMapOvr>
+    <a:masterClrMapping/>
+  </p:clrMapOvr>
+</p:sld>
+</file>
+
+<file path=ppt/slides/slide6.xml><?xml version="1.0" encoding="utf-8"?>
+<p:sld xmlns:a="http://schemas.openxmlformats.org/drawingml/2006/main" xmlns:r="http://schemas.openxmlformats.org/officeDocument/2006/relationships" xmlns:mc="http://schemas.openxmlformats.org/markup-compatibility/2006" xmlns:mv="urn:schemas-microsoft-com:mac:vml" xmlns:p="http://schemas.openxmlformats.org/presentationml/2006/main" mc:Ignorable="mv" mc:PreserveAttributes="mv:*">
+  <p:cSld>
+    <p:spTree>
+      <p:nvGrpSpPr>
+        <p:cNvPr id="1" name=""/>
+        <p:cNvGrpSpPr/>
+        <p:nvPr/>
+      </p:nvGrpSpPr>
+      <p:grpSpPr>
+        <a:xfrm>
+          <a:off x="0" y="0"/>
+          <a:ext cx="0" cy="0"/>
+          <a:chOff x="0" y="0"/>
+          <a:chExt cx="0" cy="0"/>
+        </a:xfrm>
+      </p:grpSpPr>
+      <p:sp>
+        <p:nvSpPr>
+          <p:cNvPr id="2" name="Title 1"/>
+          <p:cNvSpPr>
+            <a:spLocks noGrp="1"/>
+          </p:cNvSpPr>
+          <p:nvPr>
+            <p:ph type="title"/>
+          </p:nvPr>
+        </p:nvSpPr>
+        <p:spPr/>
+        <p:txBody>
+          <a:bodyPr>
+            <a:normAutofit fontScale="90000"/>
+          </a:bodyPr>
+          <a:lstStyle/>
+          <a:p>
+            <a:r>
+              <a:rPr lang="en-US"/>
+              <a:t>How do we specify "Explanatory Variables" in Zelig?</a:t>
+            </a:r>
+          </a:p>
+        </p:txBody>
+      </p:sp>
+      <p:sp>
+        <p:nvSpPr>
+          <p:cNvPr id="4" name="Text Box 4"/>
+          <p:cNvSpPr txBox="1">
+            <a:spLocks noChangeArrowheads="1"/>
+          </p:cNvSpPr>
+          <p:nvPr/>
+        </p:nvSpPr>
+        <p:spPr bwMode="auto">
+          <a:xfrm>
+            <a:off x="457200" y="1890889"/>
+            <a:ext cx="8229600" cy="525401"/>
+          </a:xfrm>
+          <a:prstGeom prst="rect">
+            <a:avLst/>
+          </a:prstGeom>
+          <a:noFill/>
+          <a:ln w="9360">
+            <a:solidFill>
+              <a:srgbClr val="000000"/>
+            </a:solidFill>
+            <a:prstDash val="dashDot"/>
+            <a:miter lim="800000"/>
+            <a:headEnd/>
+            <a:tailEnd/>
+          </a:ln>
+        </p:spPr>
+        <p:txBody>
+          <a:bodyPr wrap="square" lIns="90000" tIns="46800" rIns="90000" bIns="46800">
+            <a:prstTxWarp prst="textNoShape">
+              <a:avLst/>
+            </a:prstTxWarp>
+            <a:spAutoFit/>
+          </a:bodyPr>
+          <a:lstStyle/>
+          <a:p>
+            <a:pPr>
+              <a:tabLst>
+                <a:tab pos="0" algn="l"/>
+                <a:tab pos="457200" algn="l"/>
+                <a:tab pos="914400" algn="l"/>
+                <a:tab pos="1371600" algn="l"/>
+                <a:tab pos="1828800" algn="l"/>
+                <a:tab pos="2286000" algn="l"/>
+                <a:tab pos="2743200" algn="l"/>
+                <a:tab pos="3200400" algn="l"/>
+                <a:tab pos="3657600" algn="l"/>
+                <a:tab pos="4114800" algn="l"/>
+                <a:tab pos="4572000" algn="l"/>
+                <a:tab pos="5029200" algn="l"/>
+                <a:tab pos="5486400" algn="l"/>
+                <a:tab pos="5943600" algn="l"/>
+                <a:tab pos="6400800" algn="l"/>
+                <a:tab pos="6858000" algn="l"/>
+                <a:tab pos="7315200" algn="l"/>
+                <a:tab pos="7772400" algn="l"/>
+                <a:tab pos="8229600" algn="l"/>
+                <a:tab pos="8686800" algn="l"/>
+                <a:tab pos="9144000" algn="l"/>
+              </a:tabLst>
+            </a:pPr>
+            <a:r>
+              <a:rPr lang="en-US" sz="1400" dirty="0">
+                <a:solidFill>
+                  <a:srgbClr val="7F7F7F"/>
+                </a:solidFill>
+                <a:latin typeface="Courier New" charset="0"/>
+                <a:ea typeface="Courier New" charset="0"/>
+                <a:cs typeface="Courier New" charset="0"/>
+              </a:rPr>
+              <a:t># Set explanatory variables</a:t>
+            </a:r>
+          </a:p>
+          <a:p>
+            <a:pPr>
+              <a:buClrTx/>
+              <a:buFontTx/>
+              <a:buNone/>
+              <a:tabLst>
+                <a:tab pos="0" algn="l"/>
+                <a:tab pos="457200" algn="l"/>
+                <a:tab pos="914400" algn="l"/>
+                <a:tab pos="1371600" algn="l"/>
+                <a:tab pos="1828800" algn="l"/>
+                <a:tab pos="2286000" algn="l"/>
+                <a:tab pos="2743200" algn="l"/>
+                <a:tab pos="3200400" algn="l"/>
+                <a:tab pos="3657600" algn="l"/>
+                <a:tab pos="4114800" algn="l"/>
+                <a:tab pos="4572000" algn="l"/>
+                <a:tab pos="5029200" algn="l"/>
+                <a:tab pos="5486400" algn="l"/>
+                <a:tab pos="5943600" algn="l"/>
+                <a:tab pos="6400800" algn="l"/>
+                <a:tab pos="6858000" algn="l"/>
+                <a:tab pos="7315200" algn="l"/>
+                <a:tab pos="7772400" algn="l"/>
+                <a:tab pos="8229600" algn="l"/>
+                <a:tab pos="8686800" algn="l"/>
+                <a:tab pos="9144000" algn="l"/>
+              </a:tabLst>
+            </a:pPr>
+            <a:r>
+              <a:rPr lang="en-US" sz="1400" dirty="0">
+                <a:solidFill>
+                  <a:srgbClr val="000000"/>
+                </a:solidFill>
+                <a:latin typeface="Courier New" charset="0"/>
+                <a:ea typeface="Courier New" charset="0"/>
+                <a:cs typeface="Courier New" charset="0"/>
+              </a:rPr>
+              <a:t>&gt; x &lt;- setx(zout, educate=5)</a:t>
+            </a:r>
+          </a:p>
+        </p:txBody>
+      </p:sp>
+    </p:spTree>
+  </p:cSld>
+  <p:clrMapOvr>
+    <a:masterClrMapping/>
+  </p:clrMapOvr>
+  <p:timing>
+    <p:tnLst>
+      <p:par>
+        <p:cTn id="1" dur="indefinite" restart="never" nodeType="tmRoot">
+          <p:childTnLst>
+            <p:seq concurrent="1" nextAc="seek">
+              <p:cTn id="2" dur="indefinite" nodeType="mainSeq">
+                <p:childTnLst>
+                  <p:par>
+                    <p:cTn id="3" fill="hold">
+                      <p:stCondLst>
+                        <p:cond delay="indefinite"/>
+                      </p:stCondLst>
+                      <p:childTnLst>
+                        <p:par>
+                          <p:cTn id="4" fill="hold">
+                            <p:stCondLst>
+                              <p:cond delay="0"/>
+                            </p:stCondLst>
+                            <p:childTnLst>
+                              <p:par>
+                                <p:cTn id="5" presetID="1" presetClass="entr" fill="hold" nodeType="clickEffect">
+                                  <p:stCondLst>
+                                    <p:cond delay="0"/>
+                                  </p:stCondLst>
+                                  <p:childTnLst>
+                                    <p:set>
+                                      <p:cBhvr additive="repl">
+                                        <p:cTn id="6" dur="1" fill="hold">
+                                          <p:stCondLst>
+                                            <p:cond delay="0"/>
+                                          </p:stCondLst>
+                                        </p:cTn>
+                                        <p:tgtEl>
+                                          <p:spTgt spid="4"/>
+                                        </p:tgtEl>
+                                        <p:attrNameLst>
+                                          <p:attrName>style.visibility</p:attrName>
+                                        </p:attrNameLst>
+                                      </p:cBhvr>
+                                      <p:to>
+                                        <p:strVal val="visible"/>
+                                      </p:to>
+                                    </p:set>
+                                  </p:childTnLst>
+                                </p:cTn>
+                              </p:par>
+                            </p:childTnLst>
+                          </p:cTn>
+                        </p:par>
+                      </p:childTnLst>
+                    </p:cTn>
+                  </p:par>
+                </p:childTnLst>
+              </p:cTn>
+              <p:prevCondLst>
+                <p:cond evt="onPrev" delay="0">
+                  <p:tgtEl>
+                    <p:sldTgt/>
+                  </p:tgtEl>
+                </p:cond>
+              </p:prevCondLst>
+              <p:nextCondLst>
+                <p:cond evt="onNext" delay="0">
+                  <p:tgtEl>
+                    <p:sldTgt/>
+                  </p:tgtEl>
+                </p:cond>
+              </p:nextCondLst>
+            </p:seq>
+          </p:childTnLst>
+        </p:cTn>
+      </p:par>
+    </p:tnLst>
+  </p:timing>
+</p:sld>
+</file>
+
 <file path=ppt/slides/slide7.xml><?xml version="1.0" encoding="utf-8"?>
 <p:sld xmlns:a="http://schemas.openxmlformats.org/drawingml/2006/main" xmlns:r="http://schemas.openxmlformats.org/officeDocument/2006/relationships" xmlns:mc="http://schemas.openxmlformats.org/markup-compatibility/2006" xmlns:mv="urn:schemas-microsoft-com:mac:vml" xmlns:p="http://schemas.openxmlformats.org/presentationml/2006/main" mc:Ignorable="mv" mc:PreserveAttributes="mv:*">
   <p:cSld>
@@ -5296,7 +6367,7 @@
           <a:p>
             <a:r>
               <a:rPr lang="en-US"/>
-              <a:t>Statistical Simulation</a:t>
+              <a:t>Specifying variables typically</a:t>
             </a:r>
           </a:p>
         </p:txBody>
@@ -5318,48 +6389,33 @@
           <a:p>
             <a:r>
               <a:rPr lang="en-US"/>
-              <a:t>Most quantities of interest can be simulated using statistical simulation</a:t>
-            </a:r>
-          </a:p>
-          <a:p>
-            <a:pPr lvl="1"/>
-            <a:r>
-              <a:rPr lang="en-US"/>
-              <a:t>Expected Values</a:t>
-            </a:r>
-          </a:p>
-          <a:p>
-            <a:pPr lvl="1"/>
-            <a:r>
-              <a:rPr lang="en-US"/>
-              <a:t>Predicted Values</a:t>
-            </a:r>
-          </a:p>
-          <a:p>
-            <a:pPr lvl="1"/>
-            <a:r>
-              <a:rPr lang="en-US"/>
-              <a:t>Risk Ratios</a:t>
-            </a:r>
-          </a:p>
-          <a:p>
-            <a:pPr lvl="1"/>
-            <a:r>
-              <a:rPr lang="en-US"/>
-              <a:t>First Differences</a:t>
-            </a:r>
-          </a:p>
-          <a:p>
-            <a:pPr lvl="1"/>
-            <a:r>
-              <a:rPr lang="en-US"/>
-              <a:t>Average Treatment Effect</a:t>
-            </a:r>
-          </a:p>
-          <a:p>
-            <a:r>
-              <a:rPr lang="en-US"/>
-              <a:t>Most of these are based on "Expected Values"</a:t>
+              <a:t>Each column in the matrix </a:t>
+            </a:r>
+            <a:r>
+              <a:rPr lang="en-US" b="1"/>
+              <a:t>X</a:t>
+            </a:r>
+            <a:r>
+              <a:rPr lang="en-US"/>
+              <a:t> corresponds to a predictor variables</a:t>
+            </a:r>
+          </a:p>
+          <a:p>
+            <a:r>
+              <a:rPr lang="en-US"/>
+              <a:t>In this example, the matrix will only contain a single row</a:t>
+            </a:r>
+          </a:p>
+          <a:p>
+            <a:r>
+              <a:rPr lang="en-US"/>
+              <a:t>Multiple rows can be used to simultaneously produce multiple outcomes</a:t>
+            </a:r>
+          </a:p>
+          <a:p>
+            <a:r>
+              <a:rPr lang="en-US"/>
+              <a:t>Factor predictor variables are handled slightly different than numeric variables </a:t>
             </a:r>
           </a:p>
         </p:txBody>
@@ -5401,79 +6457,294 @@
         </p:nvSpPr>
         <p:spPr/>
         <p:txBody>
+          <a:bodyPr>
+            <a:normAutofit fontScale="90000"/>
+          </a:bodyPr>
+          <a:lstStyle/>
+          <a:p>
+            <a:r>
+              <a:rPr lang="en-US"/>
+              <a:t>The Design Matrix</a:t>
+            </a:r>
+            <a:br>
+              <a:rPr lang="en-US"/>
+            </a:br>
+            <a:r>
+              <a:rPr lang="en-US"/>
+              <a:t>(The Model Matrix)</a:t>
+            </a:r>
+          </a:p>
+        </p:txBody>
+      </p:sp>
+      <p:sp>
+        <p:nvSpPr>
+          <p:cNvPr id="3" name="Content Placeholder 2"/>
+          <p:cNvSpPr>
+            <a:spLocks noGrp="1"/>
+          </p:cNvSpPr>
+          <p:nvPr>
+            <p:ph idx="1"/>
+          </p:nvPr>
+        </p:nvSpPr>
+        <p:spPr/>
+        <p:txBody>
           <a:bodyPr/>
           <a:lstStyle/>
           <a:p>
             <a:r>
-              <a:rPr lang="en-US"/>
-              <a:t>Statistical Simulation</a:t>
-            </a:r>
-          </a:p>
-        </p:txBody>
-      </p:sp>
-      <p:sp>
-        <p:nvSpPr>
-          <p:cNvPr id="3" name="Content Placeholder 2"/>
-          <p:cNvSpPr>
-            <a:spLocks noGrp="1"/>
-          </p:cNvSpPr>
-          <p:nvPr>
-            <p:ph idx="1"/>
-          </p:nvPr>
-        </p:nvSpPr>
-        <p:spPr/>
-        <p:txBody>
-          <a:bodyPr/>
-          <a:lstStyle/>
-          <a:p>
-            <a:r>
-              <a:rPr lang="en-US"/>
-              <a:t>Can be reduced to matrix multiplication</a:t>
-            </a:r>
-          </a:p>
-          <a:p>
-            <a:r>
-              <a:rPr lang="en-US"/>
-              <a:t>Why?</a:t>
-            </a:r>
-          </a:p>
-          <a:p>
-            <a:pPr lvl="1"/>
-            <a:r>
-              <a:rPr lang="en-US"/>
-              <a:t>f(y) = b0 + b1 x1 + b2 x2 + … + bn * xn</a:t>
-            </a:r>
-          </a:p>
-          <a:p>
-            <a:pPr lvl="1"/>
-            <a:r>
-              <a:rPr lang="en-US"/>
-              <a:t>Where b0 … bn are the simulated parameters</a:t>
-            </a:r>
-          </a:p>
-          <a:p>
-            <a:pPr lvl="1"/>
-            <a:r>
-              <a:rPr lang="en-US"/>
-              <a:t>x1 to xn are the values we specied in the "setx" function</a:t>
-            </a:r>
-          </a:p>
-          <a:p>
-            <a:pPr lvl="1"/>
-            <a:r>
-              <a:rPr lang="en-US"/>
-              <a:t>The result gives us a value for f(y), applying the inverse function</a:t>
-            </a:r>
-          </a:p>
-          <a:p>
-            <a:pPr lvl="1"/>
-            <a:endParaRPr lang="en-US"/>
-          </a:p>
-          <a:p>
-            <a:endParaRPr lang="en-US"/>
-          </a:p>
-          <a:p>
-            <a:endParaRPr lang="en-US"/>
+              <a:rPr lang="en-US">
+                <a:latin typeface="Times New Roman"/>
+                <a:cs typeface="Times New Roman"/>
+              </a:rPr>
+              <a:t>f(y) = β</a:t>
+            </a:r>
+            <a:r>
+              <a:rPr lang="en-US" baseline="-25000">
+                <a:latin typeface="Times New Roman"/>
+                <a:cs typeface="Times New Roman"/>
+              </a:rPr>
+              <a:t>1</a:t>
+            </a:r>
+            <a:r>
+              <a:rPr lang="en-US">
+                <a:latin typeface="Times New Roman"/>
+                <a:cs typeface="Times New Roman"/>
+              </a:rPr>
+              <a:t> </a:t>
+            </a:r>
+            <a:r>
+              <a:rPr lang="en-US" b="1">
+                <a:latin typeface="Times New Roman"/>
+                <a:cs typeface="Times New Roman"/>
+              </a:rPr>
+              <a:t>x</a:t>
+            </a:r>
+            <a:r>
+              <a:rPr lang="en-US" baseline="-25000">
+                <a:latin typeface="Times New Roman"/>
+                <a:cs typeface="Times New Roman"/>
+              </a:rPr>
+              <a:t>1 </a:t>
+            </a:r>
+            <a:r>
+              <a:rPr lang="en-US">
+                <a:latin typeface="Times New Roman"/>
+                <a:cs typeface="Times New Roman"/>
+              </a:rPr>
+              <a:t>+</a:t>
+            </a:r>
+            <a:r>
+              <a:rPr lang="en-US" baseline="-25000">
+                <a:latin typeface="Times New Roman"/>
+                <a:cs typeface="Times New Roman"/>
+              </a:rPr>
+              <a:t> </a:t>
+            </a:r>
+            <a:r>
+              <a:rPr lang="en-US">
+                <a:latin typeface="Times New Roman"/>
+                <a:cs typeface="Times New Roman"/>
+              </a:rPr>
+              <a:t>β</a:t>
+            </a:r>
+            <a:r>
+              <a:rPr lang="en-US" baseline="-25000">
+                <a:latin typeface="Times New Roman"/>
+                <a:cs typeface="Times New Roman"/>
+              </a:rPr>
+              <a:t>2</a:t>
+            </a:r>
+            <a:r>
+              <a:rPr lang="en-US">
+                <a:latin typeface="Times New Roman"/>
+                <a:cs typeface="Times New Roman"/>
+              </a:rPr>
+              <a:t> </a:t>
+            </a:r>
+            <a:r>
+              <a:rPr lang="en-US" b="1">
+                <a:latin typeface="Times New Roman"/>
+                <a:cs typeface="Times New Roman"/>
+              </a:rPr>
+              <a:t>x</a:t>
+            </a:r>
+            <a:r>
+              <a:rPr lang="en-US" baseline="-25000">
+                <a:latin typeface="Times New Roman"/>
+                <a:cs typeface="Times New Roman"/>
+              </a:rPr>
+              <a:t>2 </a:t>
+            </a:r>
+            <a:r>
+              <a:rPr lang="en-US">
+                <a:latin typeface="Times New Roman"/>
+                <a:cs typeface="Times New Roman"/>
+              </a:rPr>
+              <a:t>+</a:t>
+            </a:r>
+            <a:r>
+              <a:rPr lang="en-US" baseline="-25000">
+                <a:latin typeface="Times New Roman"/>
+                <a:cs typeface="Times New Roman"/>
+              </a:rPr>
+              <a:t> </a:t>
+            </a:r>
+            <a:r>
+              <a:rPr lang="en-US">
+                <a:latin typeface="Times New Roman"/>
+                <a:cs typeface="Times New Roman"/>
+              </a:rPr>
+              <a:t>β</a:t>
+            </a:r>
+            <a:r>
+              <a:rPr lang="en-US" baseline="-25000">
+                <a:latin typeface="Times New Roman"/>
+                <a:cs typeface="Times New Roman"/>
+              </a:rPr>
+              <a:t>3</a:t>
+            </a:r>
+            <a:r>
+              <a:rPr lang="en-US">
+                <a:latin typeface="Times New Roman"/>
+                <a:cs typeface="Times New Roman"/>
+              </a:rPr>
+              <a:t> </a:t>
+            </a:r>
+            <a:r>
+              <a:rPr lang="en-US" b="1">
+                <a:latin typeface="Times New Roman"/>
+                <a:cs typeface="Times New Roman"/>
+              </a:rPr>
+              <a:t>x</a:t>
+            </a:r>
+            <a:r>
+              <a:rPr lang="en-US" baseline="-25000">
+                <a:latin typeface="Times New Roman"/>
+                <a:cs typeface="Times New Roman"/>
+              </a:rPr>
+              <a:t>3 </a:t>
+            </a:r>
+            <a:r>
+              <a:rPr lang="en-US">
+                <a:latin typeface="Times New Roman"/>
+                <a:cs typeface="Times New Roman"/>
+              </a:rPr>
+              <a:t>+</a:t>
+            </a:r>
+            <a:r>
+              <a:rPr lang="en-US" baseline="-25000">
+                <a:latin typeface="Times New Roman"/>
+                <a:cs typeface="Times New Roman"/>
+              </a:rPr>
+              <a:t> </a:t>
+            </a:r>
+            <a:r>
+              <a:rPr lang="en-US">
+                <a:latin typeface="Times New Roman"/>
+                <a:cs typeface="Times New Roman"/>
+              </a:rPr>
+              <a:t>β</a:t>
+            </a:r>
+            <a:r>
+              <a:rPr lang="en-US" baseline="-25000">
+                <a:latin typeface="Times New Roman"/>
+                <a:cs typeface="Times New Roman"/>
+              </a:rPr>
+              <a:t>4</a:t>
+            </a:r>
+            <a:r>
+              <a:rPr lang="en-US">
+                <a:latin typeface="Times New Roman"/>
+                <a:cs typeface="Times New Roman"/>
+              </a:rPr>
+              <a:t> </a:t>
+            </a:r>
+            <a:r>
+              <a:rPr lang="en-US" b="1">
+                <a:latin typeface="Times New Roman"/>
+                <a:cs typeface="Times New Roman"/>
+              </a:rPr>
+              <a:t>x</a:t>
+            </a:r>
+            <a:r>
+              <a:rPr lang="en-US" baseline="-25000">
+                <a:latin typeface="Times New Roman"/>
+                <a:cs typeface="Times New Roman"/>
+              </a:rPr>
+              <a:t>4 </a:t>
+            </a:r>
+            <a:r>
+              <a:rPr lang="en-US">
+                <a:latin typeface="Times New Roman"/>
+                <a:cs typeface="Times New Roman"/>
+              </a:rPr>
+              <a:t>+ … +</a:t>
+            </a:r>
+            <a:r>
+              <a:rPr lang="en-US" baseline="-25000">
+                <a:latin typeface="Times New Roman"/>
+                <a:cs typeface="Times New Roman"/>
+              </a:rPr>
+              <a:t> </a:t>
+            </a:r>
+            <a:r>
+              <a:rPr lang="en-US">
+                <a:latin typeface="Times New Roman"/>
+                <a:cs typeface="Times New Roman"/>
+              </a:rPr>
+              <a:t>β</a:t>
+            </a:r>
+            <a:r>
+              <a:rPr lang="en-US" baseline="-25000">
+                <a:latin typeface="Times New Roman"/>
+                <a:cs typeface="Times New Roman"/>
+              </a:rPr>
+              <a:t>n</a:t>
+            </a:r>
+            <a:r>
+              <a:rPr lang="en-US">
+                <a:latin typeface="Times New Roman"/>
+                <a:cs typeface="Times New Roman"/>
+              </a:rPr>
+              <a:t> </a:t>
+            </a:r>
+            <a:r>
+              <a:rPr lang="en-US" b="1">
+                <a:latin typeface="Times New Roman"/>
+                <a:cs typeface="Times New Roman"/>
+              </a:rPr>
+              <a:t>x</a:t>
+            </a:r>
+            <a:r>
+              <a:rPr lang="en-US" baseline="-25000">
+                <a:latin typeface="Times New Roman"/>
+                <a:cs typeface="Times New Roman"/>
+              </a:rPr>
+              <a:t>n</a:t>
+            </a:r>
+          </a:p>
+          <a:p>
+            <a:r>
+              <a:rPr lang="en-US">
+                <a:latin typeface="Times New Roman"/>
+                <a:cs typeface="Times New Roman"/>
+              </a:rPr>
+              <a:t>f(y) = </a:t>
+            </a:r>
+            <a:r>
+              <a:rPr lang="en-US" b="1">
+                <a:latin typeface="Times New Roman"/>
+                <a:cs typeface="Times New Roman"/>
+              </a:rPr>
+              <a:t>X</a:t>
+            </a:r>
+            <a:r>
+              <a:rPr lang="en-US">
+                <a:latin typeface="Times New Roman"/>
+                <a:cs typeface="Times New Roman"/>
+              </a:rPr>
+              <a:t> β</a:t>
+            </a:r>
           </a:p>
         </p:txBody>
       </p:sp>
@@ -5519,41 +6790,693 @@
           <a:p>
             <a:r>
               <a:rPr lang="en-US"/>
-              <a:t>Statistical Simulation</a:t>
-            </a:r>
-          </a:p>
-        </p:txBody>
-      </p:sp>
-      <p:sp>
-        <p:nvSpPr>
-          <p:cNvPr id="3" name="Content Placeholder 2"/>
-          <p:cNvSpPr>
-            <a:spLocks noGrp="1"/>
-          </p:cNvSpPr>
-          <p:nvPr>
-            <p:ph idx="1"/>
-          </p:nvPr>
-        </p:nvSpPr>
-        <p:spPr/>
-        <p:txBody>
-          <a:bodyPr/>
-          <a:lstStyle/>
-          <a:p>
-            <a:r>
-              <a:rPr lang="en-US"/>
-              <a:t>f(yi) = b0 + xi,1 * b1 + xi,2 * b2 + …</a:t>
-            </a:r>
-          </a:p>
-          <a:p>
-            <a:r>
-              <a:rPr lang="en-US"/>
-              <a:t>The variance-covariance matrix specifies the correlation of parameters to one another of the fitted model</a:t>
-            </a:r>
-          </a:p>
-          <a:p>
-            <a:r>
-              <a:rPr lang="en-US"/>
-              <a:t>The </a:t>
+              <a:t>How a Model Is Fit</a:t>
+            </a:r>
+          </a:p>
+        </p:txBody>
+      </p:sp>
+      <p:sp>
+        <p:nvSpPr>
+          <p:cNvPr id="4" name="Text Box 4"/>
+          <p:cNvSpPr txBox="1">
+            <a:spLocks noChangeArrowheads="1"/>
+          </p:cNvSpPr>
+          <p:nvPr/>
+        </p:nvSpPr>
+        <p:spPr bwMode="auto">
+          <a:xfrm>
+            <a:off x="457200" y="1571037"/>
+            <a:ext cx="8229600" cy="2679837"/>
+          </a:xfrm>
+          <a:prstGeom prst="rect">
+            <a:avLst/>
+          </a:prstGeom>
+          <a:noFill/>
+          <a:ln w="9360">
+            <a:solidFill>
+              <a:srgbClr val="000000"/>
+            </a:solidFill>
+            <a:prstDash val="dashDot"/>
+            <a:miter lim="800000"/>
+            <a:headEnd/>
+            <a:tailEnd/>
+          </a:ln>
+        </p:spPr>
+        <p:txBody>
+          <a:bodyPr wrap="square" lIns="90000" tIns="46800" rIns="90000" bIns="46800">
+            <a:prstTxWarp prst="textNoShape">
+              <a:avLst/>
+            </a:prstTxWarp>
+            <a:spAutoFit/>
+          </a:bodyPr>
+          <a:lstStyle/>
+          <a:p>
+            <a:pPr>
+              <a:buClrTx/>
+              <a:buFontTx/>
+              <a:buNone/>
+              <a:tabLst>
+                <a:tab pos="0" algn="l"/>
+                <a:tab pos="457200" algn="l"/>
+                <a:tab pos="914400" algn="l"/>
+                <a:tab pos="1371600" algn="l"/>
+                <a:tab pos="1828800" algn="l"/>
+                <a:tab pos="2286000" algn="l"/>
+                <a:tab pos="2743200" algn="l"/>
+                <a:tab pos="3200400" algn="l"/>
+                <a:tab pos="3657600" algn="l"/>
+                <a:tab pos="4114800" algn="l"/>
+                <a:tab pos="4572000" algn="l"/>
+                <a:tab pos="5029200" algn="l"/>
+                <a:tab pos="5486400" algn="l"/>
+                <a:tab pos="5943600" algn="l"/>
+                <a:tab pos="6400800" algn="l"/>
+                <a:tab pos="6858000" algn="l"/>
+                <a:tab pos="7315200" algn="l"/>
+                <a:tab pos="7772400" algn="l"/>
+                <a:tab pos="8229600" algn="l"/>
+                <a:tab pos="8686800" algn="l"/>
+                <a:tab pos="9144000" algn="l"/>
+              </a:tabLst>
+            </a:pPr>
+            <a:r>
+              <a:rPr lang="en-US" sz="1400" dirty="0">
+                <a:solidFill>
+                  <a:srgbClr val="7F7F7F"/>
+                </a:solidFill>
+                <a:latin typeface="Courier New" charset="0"/>
+                <a:ea typeface="Courier New" charset="0"/>
+                <a:cs typeface="Courier New" charset="0"/>
+              </a:rPr>
+              <a:t># Display the ChickWeight data</a:t>
+            </a:r>
+          </a:p>
+          <a:p>
+            <a:pPr>
+              <a:tabLst>
+                <a:tab pos="0" algn="l"/>
+                <a:tab pos="457200" algn="l"/>
+                <a:tab pos="914400" algn="l"/>
+                <a:tab pos="1371600" algn="l"/>
+                <a:tab pos="1828800" algn="l"/>
+                <a:tab pos="2286000" algn="l"/>
+                <a:tab pos="2743200" algn="l"/>
+                <a:tab pos="3200400" algn="l"/>
+                <a:tab pos="3657600" algn="l"/>
+                <a:tab pos="4114800" algn="l"/>
+                <a:tab pos="4572000" algn="l"/>
+                <a:tab pos="5029200" algn="l"/>
+                <a:tab pos="5486400" algn="l"/>
+                <a:tab pos="5943600" algn="l"/>
+                <a:tab pos="6400800" algn="l"/>
+                <a:tab pos="6858000" algn="l"/>
+                <a:tab pos="7315200" algn="l"/>
+                <a:tab pos="7772400" algn="l"/>
+                <a:tab pos="8229600" algn="l"/>
+                <a:tab pos="8686800" algn="l"/>
+                <a:tab pos="9144000" algn="l"/>
+              </a:tabLst>
+            </a:pPr>
+            <a:r>
+              <a:rPr lang="en-US" sz="1400" dirty="0">
+                <a:solidFill>
+                  <a:srgbClr val="000000"/>
+                </a:solidFill>
+                <a:latin typeface="Courier New" charset="0"/>
+                <a:ea typeface="Courier New" charset="0"/>
+                <a:cs typeface="Courier New" charset="0"/>
+              </a:rPr>
+              <a:t>&gt; ChickWeight</a:t>
+            </a:r>
+          </a:p>
+          <a:p>
+            <a:pPr>
+              <a:tabLst>
+                <a:tab pos="0" algn="l"/>
+                <a:tab pos="457200" algn="l"/>
+                <a:tab pos="914400" algn="l"/>
+                <a:tab pos="1371600" algn="l"/>
+                <a:tab pos="1828800" algn="l"/>
+                <a:tab pos="2286000" algn="l"/>
+                <a:tab pos="2743200" algn="l"/>
+                <a:tab pos="3200400" algn="l"/>
+                <a:tab pos="3657600" algn="l"/>
+                <a:tab pos="4114800" algn="l"/>
+                <a:tab pos="4572000" algn="l"/>
+                <a:tab pos="5029200" algn="l"/>
+                <a:tab pos="5486400" algn="l"/>
+                <a:tab pos="5943600" algn="l"/>
+                <a:tab pos="6400800" algn="l"/>
+                <a:tab pos="6858000" algn="l"/>
+                <a:tab pos="7315200" algn="l"/>
+                <a:tab pos="7772400" algn="l"/>
+                <a:tab pos="8229600" algn="l"/>
+                <a:tab pos="8686800" algn="l"/>
+                <a:tab pos="9144000" algn="l"/>
+              </a:tabLst>
+            </a:pPr>
+            <a:r>
+              <a:rPr lang="en-US" sz="1400" dirty="0">
+                <a:solidFill>
+                  <a:srgbClr val="000000"/>
+                </a:solidFill>
+                <a:latin typeface="Courier New" charset="0"/>
+                <a:ea typeface="Courier New" charset="0"/>
+                <a:cs typeface="Courier New" charset="0"/>
+              </a:rPr>
+              <a:t>    weight Time Chick Diet</a:t>
+            </a:r>
+          </a:p>
+          <a:p>
+            <a:pPr>
+              <a:tabLst>
+                <a:tab pos="0" algn="l"/>
+                <a:tab pos="457200" algn="l"/>
+                <a:tab pos="914400" algn="l"/>
+                <a:tab pos="1371600" algn="l"/>
+                <a:tab pos="1828800" algn="l"/>
+                <a:tab pos="2286000" algn="l"/>
+                <a:tab pos="2743200" algn="l"/>
+                <a:tab pos="3200400" algn="l"/>
+                <a:tab pos="3657600" algn="l"/>
+                <a:tab pos="4114800" algn="l"/>
+                <a:tab pos="4572000" algn="l"/>
+                <a:tab pos="5029200" algn="l"/>
+                <a:tab pos="5486400" algn="l"/>
+                <a:tab pos="5943600" algn="l"/>
+                <a:tab pos="6400800" algn="l"/>
+                <a:tab pos="6858000" algn="l"/>
+                <a:tab pos="7315200" algn="l"/>
+                <a:tab pos="7772400" algn="l"/>
+                <a:tab pos="8229600" algn="l"/>
+                <a:tab pos="8686800" algn="l"/>
+                <a:tab pos="9144000" algn="l"/>
+              </a:tabLst>
+            </a:pPr>
+            <a:r>
+              <a:rPr lang="en-US" sz="1400" dirty="0">
+                <a:solidFill>
+                  <a:srgbClr val="000000"/>
+                </a:solidFill>
+                <a:latin typeface="Courier New" charset="0"/>
+                <a:ea typeface="Courier New" charset="0"/>
+                <a:cs typeface="Courier New" charset="0"/>
+              </a:rPr>
+              <a:t>1       42    0     1    1</a:t>
+            </a:r>
+          </a:p>
+          <a:p>
+            <a:pPr>
+              <a:tabLst>
+                <a:tab pos="0" algn="l"/>
+                <a:tab pos="457200" algn="l"/>
+                <a:tab pos="914400" algn="l"/>
+                <a:tab pos="1371600" algn="l"/>
+                <a:tab pos="1828800" algn="l"/>
+                <a:tab pos="2286000" algn="l"/>
+                <a:tab pos="2743200" algn="l"/>
+                <a:tab pos="3200400" algn="l"/>
+                <a:tab pos="3657600" algn="l"/>
+                <a:tab pos="4114800" algn="l"/>
+                <a:tab pos="4572000" algn="l"/>
+                <a:tab pos="5029200" algn="l"/>
+                <a:tab pos="5486400" algn="l"/>
+                <a:tab pos="5943600" algn="l"/>
+                <a:tab pos="6400800" algn="l"/>
+                <a:tab pos="6858000" algn="l"/>
+                <a:tab pos="7315200" algn="l"/>
+                <a:tab pos="7772400" algn="l"/>
+                <a:tab pos="8229600" algn="l"/>
+                <a:tab pos="8686800" algn="l"/>
+                <a:tab pos="9144000" algn="l"/>
+              </a:tabLst>
+            </a:pPr>
+            <a:r>
+              <a:rPr lang="en-US" sz="1400" dirty="0">
+                <a:solidFill>
+                  <a:srgbClr val="000000"/>
+                </a:solidFill>
+                <a:latin typeface="Courier New" charset="0"/>
+                <a:ea typeface="Courier New" charset="0"/>
+                <a:cs typeface="Courier New" charset="0"/>
+              </a:rPr>
+              <a:t>2       51    2     1    1</a:t>
+            </a:r>
+          </a:p>
+          <a:p>
+            <a:pPr>
+              <a:tabLst>
+                <a:tab pos="0" algn="l"/>
+                <a:tab pos="457200" algn="l"/>
+                <a:tab pos="914400" algn="l"/>
+                <a:tab pos="1371600" algn="l"/>
+                <a:tab pos="1828800" algn="l"/>
+                <a:tab pos="2286000" algn="l"/>
+                <a:tab pos="2743200" algn="l"/>
+                <a:tab pos="3200400" algn="l"/>
+                <a:tab pos="3657600" algn="l"/>
+                <a:tab pos="4114800" algn="l"/>
+                <a:tab pos="4572000" algn="l"/>
+                <a:tab pos="5029200" algn="l"/>
+                <a:tab pos="5486400" algn="l"/>
+                <a:tab pos="5943600" algn="l"/>
+                <a:tab pos="6400800" algn="l"/>
+                <a:tab pos="6858000" algn="l"/>
+                <a:tab pos="7315200" algn="l"/>
+                <a:tab pos="7772400" algn="l"/>
+                <a:tab pos="8229600" algn="l"/>
+                <a:tab pos="8686800" algn="l"/>
+                <a:tab pos="9144000" algn="l"/>
+              </a:tabLst>
+            </a:pPr>
+            <a:r>
+              <a:rPr lang="en-US" sz="1400" dirty="0">
+                <a:solidFill>
+                  <a:srgbClr val="000000"/>
+                </a:solidFill>
+                <a:latin typeface="Courier New" charset="0"/>
+                <a:ea typeface="Courier New" charset="0"/>
+                <a:cs typeface="Courier New" charset="0"/>
+              </a:rPr>
+              <a:t>3       59    4     1    1</a:t>
+            </a:r>
+          </a:p>
+          <a:p>
+            <a:pPr>
+              <a:tabLst>
+                <a:tab pos="0" algn="l"/>
+                <a:tab pos="457200" algn="l"/>
+                <a:tab pos="914400" algn="l"/>
+                <a:tab pos="1371600" algn="l"/>
+                <a:tab pos="1828800" algn="l"/>
+                <a:tab pos="2286000" algn="l"/>
+                <a:tab pos="2743200" algn="l"/>
+                <a:tab pos="3200400" algn="l"/>
+                <a:tab pos="3657600" algn="l"/>
+                <a:tab pos="4114800" algn="l"/>
+                <a:tab pos="4572000" algn="l"/>
+                <a:tab pos="5029200" algn="l"/>
+                <a:tab pos="5486400" algn="l"/>
+                <a:tab pos="5943600" algn="l"/>
+                <a:tab pos="6400800" algn="l"/>
+                <a:tab pos="6858000" algn="l"/>
+                <a:tab pos="7315200" algn="l"/>
+                <a:tab pos="7772400" algn="l"/>
+                <a:tab pos="8229600" algn="l"/>
+                <a:tab pos="8686800" algn="l"/>
+                <a:tab pos="9144000" algn="l"/>
+              </a:tabLst>
+            </a:pPr>
+            <a:r>
+              <a:rPr lang="en-US" sz="1400" dirty="0">
+                <a:solidFill>
+                  <a:srgbClr val="000000"/>
+                </a:solidFill>
+                <a:latin typeface="Courier New" charset="0"/>
+                <a:ea typeface="Courier New" charset="0"/>
+                <a:cs typeface="Courier New" charset="0"/>
+              </a:rPr>
+              <a:t>4       64    6     1    1</a:t>
+            </a:r>
+          </a:p>
+          <a:p>
+            <a:pPr>
+              <a:tabLst>
+                <a:tab pos="0" algn="l"/>
+                <a:tab pos="457200" algn="l"/>
+                <a:tab pos="914400" algn="l"/>
+                <a:tab pos="1371600" algn="l"/>
+                <a:tab pos="1828800" algn="l"/>
+                <a:tab pos="2286000" algn="l"/>
+                <a:tab pos="2743200" algn="l"/>
+                <a:tab pos="3200400" algn="l"/>
+                <a:tab pos="3657600" algn="l"/>
+                <a:tab pos="4114800" algn="l"/>
+                <a:tab pos="4572000" algn="l"/>
+                <a:tab pos="5029200" algn="l"/>
+                <a:tab pos="5486400" algn="l"/>
+                <a:tab pos="5943600" algn="l"/>
+                <a:tab pos="6400800" algn="l"/>
+                <a:tab pos="6858000" algn="l"/>
+                <a:tab pos="7315200" algn="l"/>
+                <a:tab pos="7772400" algn="l"/>
+                <a:tab pos="8229600" algn="l"/>
+                <a:tab pos="8686800" algn="l"/>
+                <a:tab pos="9144000" algn="l"/>
+              </a:tabLst>
+            </a:pPr>
+            <a:r>
+              <a:rPr lang="en-US" sz="1400" dirty="0">
+                <a:solidFill>
+                  <a:srgbClr val="000000"/>
+                </a:solidFill>
+                <a:latin typeface="Courier New" charset="0"/>
+                <a:ea typeface="Courier New" charset="0"/>
+                <a:cs typeface="Courier New" charset="0"/>
+              </a:rPr>
+              <a:t>5       76    8     1    1</a:t>
+            </a:r>
+          </a:p>
+          <a:p>
+            <a:pPr>
+              <a:tabLst>
+                <a:tab pos="0" algn="l"/>
+                <a:tab pos="457200" algn="l"/>
+                <a:tab pos="914400" algn="l"/>
+                <a:tab pos="1371600" algn="l"/>
+                <a:tab pos="1828800" algn="l"/>
+                <a:tab pos="2286000" algn="l"/>
+                <a:tab pos="2743200" algn="l"/>
+                <a:tab pos="3200400" algn="l"/>
+                <a:tab pos="3657600" algn="l"/>
+                <a:tab pos="4114800" algn="l"/>
+                <a:tab pos="4572000" algn="l"/>
+                <a:tab pos="5029200" algn="l"/>
+                <a:tab pos="5486400" algn="l"/>
+                <a:tab pos="5943600" algn="l"/>
+                <a:tab pos="6400800" algn="l"/>
+                <a:tab pos="6858000" algn="l"/>
+                <a:tab pos="7315200" algn="l"/>
+                <a:tab pos="7772400" algn="l"/>
+                <a:tab pos="8229600" algn="l"/>
+                <a:tab pos="8686800" algn="l"/>
+                <a:tab pos="9144000" algn="l"/>
+              </a:tabLst>
+            </a:pPr>
+            <a:r>
+              <a:rPr lang="en-US" sz="1400" dirty="0">
+                <a:solidFill>
+                  <a:srgbClr val="000000"/>
+                </a:solidFill>
+                <a:latin typeface="Courier New" charset="0"/>
+                <a:ea typeface="Courier New" charset="0"/>
+                <a:cs typeface="Courier New" charset="0"/>
+              </a:rPr>
+              <a:t>6       93   10     1    1</a:t>
+            </a:r>
+          </a:p>
+          <a:p>
+            <a:pPr marL="342900" indent="-342900">
+              <a:buAutoNum type="arabicPlain" startAt="7"/>
+              <a:tabLst>
+                <a:tab pos="0" algn="l"/>
+                <a:tab pos="457200" algn="l"/>
+                <a:tab pos="914400" algn="l"/>
+                <a:tab pos="1371600" algn="l"/>
+                <a:tab pos="1828800" algn="l"/>
+                <a:tab pos="2286000" algn="l"/>
+                <a:tab pos="2743200" algn="l"/>
+                <a:tab pos="3200400" algn="l"/>
+                <a:tab pos="3657600" algn="l"/>
+                <a:tab pos="4114800" algn="l"/>
+                <a:tab pos="4572000" algn="l"/>
+                <a:tab pos="5029200" algn="l"/>
+                <a:tab pos="5486400" algn="l"/>
+                <a:tab pos="5943600" algn="l"/>
+                <a:tab pos="6400800" algn="l"/>
+                <a:tab pos="6858000" algn="l"/>
+                <a:tab pos="7315200" algn="l"/>
+                <a:tab pos="7772400" algn="l"/>
+                <a:tab pos="8229600" algn="l"/>
+                <a:tab pos="8686800" algn="l"/>
+                <a:tab pos="9144000" algn="l"/>
+              </a:tabLst>
+            </a:pPr>
+            <a:r>
+              <a:rPr lang="en-US" sz="1400" dirty="0">
+                <a:solidFill>
+                  <a:srgbClr val="000000"/>
+                </a:solidFill>
+                <a:latin typeface="Courier New" charset="0"/>
+                <a:ea typeface="Courier New" charset="0"/>
+                <a:cs typeface="Courier New" charset="0"/>
+              </a:rPr>
+              <a:t>    106   12     1    1</a:t>
+            </a:r>
+          </a:p>
+          <a:p>
+            <a:pPr marL="342900" indent="-342900">
+              <a:buAutoNum type="arabicPlain" startAt="7"/>
+              <a:tabLst>
+                <a:tab pos="0" algn="l"/>
+                <a:tab pos="457200" algn="l"/>
+                <a:tab pos="914400" algn="l"/>
+                <a:tab pos="1371600" algn="l"/>
+                <a:tab pos="1828800" algn="l"/>
+                <a:tab pos="2286000" algn="l"/>
+                <a:tab pos="2743200" algn="l"/>
+                <a:tab pos="3200400" algn="l"/>
+                <a:tab pos="3657600" algn="l"/>
+                <a:tab pos="4114800" algn="l"/>
+                <a:tab pos="4572000" algn="l"/>
+                <a:tab pos="5029200" algn="l"/>
+                <a:tab pos="5486400" algn="l"/>
+                <a:tab pos="5943600" algn="l"/>
+                <a:tab pos="6400800" algn="l"/>
+                <a:tab pos="6858000" algn="l"/>
+                <a:tab pos="7315200" algn="l"/>
+                <a:tab pos="7772400" algn="l"/>
+                <a:tab pos="8229600" algn="l"/>
+                <a:tab pos="8686800" algn="l"/>
+                <a:tab pos="9144000" algn="l"/>
+              </a:tabLst>
+            </a:pPr>
+            <a:endParaRPr lang="en-US" sz="1400" dirty="0">
+              <a:solidFill>
+                <a:srgbClr val="7F7F7F"/>
+              </a:solidFill>
+              <a:latin typeface="Courier New" charset="0"/>
+              <a:ea typeface="Courier New" charset="0"/>
+              <a:cs typeface="Courier New" charset="0"/>
+            </a:endParaRPr>
+          </a:p>
+          <a:p>
+            <a:pPr marL="342900" indent="-342900">
+              <a:tabLst>
+                <a:tab pos="0" algn="l"/>
+                <a:tab pos="457200" algn="l"/>
+                <a:tab pos="914400" algn="l"/>
+                <a:tab pos="1371600" algn="l"/>
+                <a:tab pos="1828800" algn="l"/>
+                <a:tab pos="2286000" algn="l"/>
+                <a:tab pos="2743200" algn="l"/>
+                <a:tab pos="3200400" algn="l"/>
+                <a:tab pos="3657600" algn="l"/>
+                <a:tab pos="4114800" algn="l"/>
+                <a:tab pos="4572000" algn="l"/>
+                <a:tab pos="5029200" algn="l"/>
+                <a:tab pos="5486400" algn="l"/>
+                <a:tab pos="5943600" algn="l"/>
+                <a:tab pos="6400800" algn="l"/>
+                <a:tab pos="6858000" algn="l"/>
+                <a:tab pos="7315200" algn="l"/>
+                <a:tab pos="7772400" algn="l"/>
+                <a:tab pos="8229600" algn="l"/>
+                <a:tab pos="8686800" algn="l"/>
+                <a:tab pos="9144000" algn="l"/>
+              </a:tabLst>
+            </a:pPr>
+            <a:r>
+              <a:rPr lang="en-US" sz="1400" dirty="0">
+                <a:solidFill>
+                  <a:srgbClr val="7F7F7F"/>
+                </a:solidFill>
+                <a:latin typeface="Courier New" charset="0"/>
+                <a:ea typeface="Courier New" charset="0"/>
+                <a:cs typeface="Courier New" charset="0"/>
+              </a:rPr>
+              <a:t># etc…</a:t>
+            </a:r>
+          </a:p>
+        </p:txBody>
+      </p:sp>
+      <p:sp>
+        <p:nvSpPr>
+          <p:cNvPr id="5" name="TextBox 4"/>
+          <p:cNvSpPr txBox="1"/>
+          <p:nvPr/>
+        </p:nvSpPr>
+        <p:spPr>
+          <a:xfrm>
+            <a:off x="457200" y="4534370"/>
+            <a:ext cx="8229600" cy="2215991"/>
+          </a:xfrm>
+          <a:prstGeom prst="rect">
+            <a:avLst/>
+          </a:prstGeom>
+          <a:noFill/>
+        </p:spPr>
+        <p:txBody>
+          <a:bodyPr wrap="square" rtlCol="0">
+            <a:spAutoFit/>
+          </a:bodyPr>
+          <a:lstStyle/>
+          <a:p>
+            <a:r>
+              <a:rPr lang="en-US"/>
+              <a:t>If we try to predict </a:t>
+            </a:r>
+            <a:r>
+              <a:rPr lang="en-US" i="1"/>
+              <a:t>weight</a:t>
+            </a:r>
+            <a:r>
+              <a:rPr lang="en-US"/>
+              <a:t> as a function of </a:t>
+            </a:r>
+            <a:r>
+              <a:rPr lang="en-US" i="1"/>
+              <a:t>Time</a:t>
+            </a:r>
+            <a:r>
+              <a:rPr lang="en-US"/>
+              <a:t>, then the formula equation has the formula:</a:t>
+            </a:r>
+          </a:p>
+          <a:p>
+            <a:r>
+              <a:rPr lang="en-US"/>
+              <a:t>	</a:t>
+            </a:r>
+            <a:r>
+              <a:rPr lang="en-US">
+                <a:latin typeface="Times New Roman"/>
+                <a:cs typeface="Times New Roman"/>
+              </a:rPr>
+              <a:t>y = β</a:t>
+            </a:r>
+            <a:r>
+              <a:rPr lang="en-US" baseline="-25000">
+                <a:latin typeface="Times New Roman"/>
+                <a:cs typeface="Times New Roman"/>
+              </a:rPr>
+              <a:t>0</a:t>
+            </a:r>
+            <a:r>
+              <a:rPr lang="en-US">
+                <a:latin typeface="Times New Roman"/>
+                <a:cs typeface="Times New Roman"/>
+              </a:rPr>
+              <a:t> + β</a:t>
+            </a:r>
+            <a:r>
+              <a:rPr lang="en-US" baseline="-25000">
+                <a:latin typeface="Times New Roman"/>
+                <a:cs typeface="Times New Roman"/>
+              </a:rPr>
+              <a:t>1</a:t>
+            </a:r>
+            <a:r>
+              <a:rPr lang="en-US">
+                <a:latin typeface="Times New Roman"/>
+                <a:cs typeface="Times New Roman"/>
+              </a:rPr>
+              <a:t> </a:t>
+            </a:r>
+            <a:r>
+              <a:rPr lang="en-US" b="1">
+                <a:latin typeface="Times New Roman"/>
+                <a:cs typeface="Times New Roman"/>
+              </a:rPr>
+              <a:t>x</a:t>
+            </a:r>
+            <a:r>
+              <a:rPr lang="en-US" baseline="-25000">
+                <a:latin typeface="Times New Roman"/>
+                <a:cs typeface="Times New Roman"/>
+              </a:rPr>
+              <a:t>1</a:t>
+            </a:r>
+          </a:p>
+          <a:p>
+            <a:endParaRPr lang="en-US" baseline="-25000">
+              <a:latin typeface="Times New Roman"/>
+              <a:cs typeface="Times New Roman"/>
+            </a:endParaRPr>
+          </a:p>
+          <a:p>
+            <a:r>
+              <a:rPr lang="en-US"/>
+              <a:t>Where:</a:t>
+            </a:r>
+          </a:p>
+          <a:p>
+            <a:r>
+              <a:rPr lang="en-US"/>
+              <a:t>	</a:t>
+            </a:r>
+            <a:r>
+              <a:rPr lang="en-US">
+                <a:latin typeface="Times New Roman"/>
+                <a:cs typeface="Times New Roman"/>
+              </a:rPr>
+              <a:t>y </a:t>
+            </a:r>
+            <a:r>
+              <a:rPr lang="en-US"/>
+              <a:t>is the weight (in grams)</a:t>
+            </a:r>
+          </a:p>
+          <a:p>
+            <a:r>
+              <a:rPr lang="en-US"/>
+              <a:t>	</a:t>
+            </a:r>
+            <a:r>
+              <a:rPr lang="en-US" b="1">
+                <a:latin typeface="Times New Roman"/>
+                <a:cs typeface="Times New Roman"/>
+              </a:rPr>
+              <a:t>x</a:t>
+            </a:r>
+            <a:r>
+              <a:rPr lang="en-US" baseline="-25000">
+                <a:latin typeface="Times New Roman"/>
+                <a:cs typeface="Times New Roman"/>
+              </a:rPr>
+              <a:t>1</a:t>
+            </a:r>
+            <a:r>
+              <a:rPr lang="en-US"/>
+              <a:t> is the time (in days)</a:t>
+            </a:r>
+          </a:p>
+          <a:p>
+            <a:r>
+              <a:rPr lang="en-US"/>
+              <a:t>	</a:t>
+            </a:r>
+            <a:r>
+              <a:rPr lang="en-US">
+                <a:latin typeface="Times New Roman"/>
+                <a:cs typeface="Times New Roman"/>
+              </a:rPr>
+              <a:t>β</a:t>
+            </a:r>
+            <a:r>
+              <a:rPr lang="en-US" baseline="-25000">
+                <a:latin typeface="Times New Roman"/>
+                <a:cs typeface="Times New Roman"/>
+              </a:rPr>
+              <a:t>0</a:t>
+            </a:r>
+            <a:r>
+              <a:rPr lang="en-US">
+                <a:latin typeface="Times New Roman"/>
+                <a:cs typeface="Times New Roman"/>
+              </a:rPr>
+              <a:t> and β</a:t>
+            </a:r>
+            <a:r>
+              <a:rPr lang="en-US" baseline="-25000">
+                <a:latin typeface="Times New Roman"/>
+                <a:cs typeface="Times New Roman"/>
+              </a:rPr>
+              <a:t>1</a:t>
+            </a:r>
+            <a:r>
+              <a:rPr lang="en-US"/>
+              <a:t> are the unknown parameters</a:t>
             </a:r>
           </a:p>
         </p:txBody>
@@ -5563,6 +7486,81 @@
   <p:clrMapOvr>
     <a:masterClrMapping/>
   </p:clrMapOvr>
+  <p:timing>
+    <p:tnLst>
+      <p:par>
+        <p:cTn id="1" dur="indefinite" restart="never" nodeType="tmRoot">
+          <p:childTnLst>
+            <p:seq concurrent="1" nextAc="seek">
+              <p:cTn id="2" dur="indefinite" nodeType="mainSeq">
+                <p:childTnLst>
+                  <p:par>
+                    <p:cTn id="3" fill="hold">
+                      <p:stCondLst>
+                        <p:cond delay="indefinite"/>
+                      </p:stCondLst>
+                      <p:childTnLst>
+                        <p:par>
+                          <p:cTn id="4" fill="hold">
+                            <p:stCondLst>
+                              <p:cond delay="0"/>
+                            </p:stCondLst>
+                            <p:childTnLst>
+                              <p:par>
+                                <p:cTn id="5" presetID="1" presetClass="entr" fill="hold" nodeType="clickEffect">
+                                  <p:stCondLst>
+                                    <p:cond delay="0"/>
+                                  </p:stCondLst>
+                                  <p:childTnLst>
+                                    <p:set>
+                                      <p:cBhvr additive="repl">
+                                        <p:cTn id="6" dur="1" fill="hold">
+                                          <p:stCondLst>
+                                            <p:cond delay="0"/>
+                                          </p:stCondLst>
+                                        </p:cTn>
+                                        <p:tgtEl>
+                                          <p:spTgt spid="4"/>
+                                        </p:tgtEl>
+                                        <p:attrNameLst>
+                                          <p:attrName>style.visibility</p:attrName>
+                                        </p:attrNameLst>
+                                      </p:cBhvr>
+                                      <p:to>
+                                        <p:strVal val="visible"/>
+                                      </p:to>
+                                    </p:set>
+                                  </p:childTnLst>
+                                </p:cTn>
+                              </p:par>
+                            </p:childTnLst>
+                          </p:cTn>
+                        </p:par>
+                      </p:childTnLst>
+                    </p:cTn>
+                  </p:par>
+                </p:childTnLst>
+              </p:cTn>
+              <p:prevCondLst>
+                <p:cond evt="onPrev" delay="0">
+                  <p:tgtEl>
+                    <p:sldTgt/>
+                  </p:tgtEl>
+                </p:cond>
+              </p:prevCondLst>
+              <p:nextCondLst>
+                <p:cond evt="onNext" delay="0">
+                  <p:tgtEl>
+                    <p:sldTgt/>
+                  </p:tgtEl>
+                </p:cond>
+              </p:nextCondLst>
+            </p:seq>
+          </p:childTnLst>
+        </p:cTn>
+      </p:par>
+    </p:tnLst>
+  </p:timing>
 </p:sld>
 </file>
 

--- a/January-Class/Zelig_2_explanatory.pptx
+++ b/January-Class/Zelig_2_explanatory.pptx
@@ -11,18 +11,17 @@
     <p:sldId id="268" r:id="rId5"/>
     <p:sldId id="266" r:id="rId6"/>
     <p:sldId id="267" r:id="rId7"/>
-    <p:sldId id="269" r:id="rId8"/>
-    <p:sldId id="270" r:id="rId9"/>
-    <p:sldId id="271" r:id="rId10"/>
-    <p:sldId id="272" r:id="rId11"/>
-    <p:sldId id="273" r:id="rId12"/>
-    <p:sldId id="258" r:id="rId13"/>
-    <p:sldId id="260" r:id="rId14"/>
-    <p:sldId id="259" r:id="rId15"/>
-    <p:sldId id="261" r:id="rId16"/>
-    <p:sldId id="262" r:id="rId17"/>
-    <p:sldId id="263" r:id="rId18"/>
-    <p:sldId id="264" r:id="rId19"/>
+    <p:sldId id="270" r:id="rId8"/>
+    <p:sldId id="271" r:id="rId9"/>
+    <p:sldId id="272" r:id="rId10"/>
+    <p:sldId id="273" r:id="rId11"/>
+    <p:sldId id="258" r:id="rId12"/>
+    <p:sldId id="260" r:id="rId13"/>
+    <p:sldId id="259" r:id="rId14"/>
+    <p:sldId id="261" r:id="rId15"/>
+    <p:sldId id="262" r:id="rId16"/>
+    <p:sldId id="263" r:id="rId17"/>
+    <p:sldId id="264" r:id="rId18"/>
   </p:sldIdLst>
   <p:sldSz cx="9144000" cy="6858000" type="screen4x3"/>
   <p:notesSz cx="6858000" cy="9144000"/>
@@ -304,7 +303,7 @@
             <a:fld id="{52146219-D444-4949-8B82-1A0079A42925}" type="datetimeFigureOut">
               <a:rPr lang="en-US"/>
               <a:pPr/>
-              <a:t>1/3/12</a:t>
+              <a:t>1/4/12</a:t>
             </a:fld>
             <a:endParaRPr lang="en-US"/>
           </a:p>
@@ -469,7 +468,7 @@
             <a:fld id="{52146219-D444-4949-8B82-1A0079A42925}" type="datetimeFigureOut">
               <a:rPr lang="en-US"/>
               <a:pPr/>
-              <a:t>1/3/12</a:t>
+              <a:t>1/4/12</a:t>
             </a:fld>
             <a:endParaRPr lang="en-US"/>
           </a:p>
@@ -644,7 +643,7 @@
             <a:fld id="{52146219-D444-4949-8B82-1A0079A42925}" type="datetimeFigureOut">
               <a:rPr lang="en-US"/>
               <a:pPr/>
-              <a:t>1/3/12</a:t>
+              <a:t>1/4/12</a:t>
             </a:fld>
             <a:endParaRPr lang="en-US"/>
           </a:p>
@@ -809,7 +808,7 @@
             <a:fld id="{52146219-D444-4949-8B82-1A0079A42925}" type="datetimeFigureOut">
               <a:rPr lang="en-US"/>
               <a:pPr/>
-              <a:t>1/3/12</a:t>
+              <a:t>1/4/12</a:t>
             </a:fld>
             <a:endParaRPr lang="en-US"/>
           </a:p>
@@ -1051,7 +1050,7 @@
             <a:fld id="{52146219-D444-4949-8B82-1A0079A42925}" type="datetimeFigureOut">
               <a:rPr lang="en-US"/>
               <a:pPr/>
-              <a:t>1/3/12</a:t>
+              <a:t>1/4/12</a:t>
             </a:fld>
             <a:endParaRPr lang="en-US"/>
           </a:p>
@@ -1333,7 +1332,7 @@
             <a:fld id="{52146219-D444-4949-8B82-1A0079A42925}" type="datetimeFigureOut">
               <a:rPr lang="en-US"/>
               <a:pPr/>
-              <a:t>1/3/12</a:t>
+              <a:t>1/4/12</a:t>
             </a:fld>
             <a:endParaRPr lang="en-US"/>
           </a:p>
@@ -1749,7 +1748,7 @@
             <a:fld id="{52146219-D444-4949-8B82-1A0079A42925}" type="datetimeFigureOut">
               <a:rPr lang="en-US"/>
               <a:pPr/>
-              <a:t>1/3/12</a:t>
+              <a:t>1/4/12</a:t>
             </a:fld>
             <a:endParaRPr lang="en-US"/>
           </a:p>
@@ -1863,7 +1862,7 @@
             <a:fld id="{52146219-D444-4949-8B82-1A0079A42925}" type="datetimeFigureOut">
               <a:rPr lang="en-US"/>
               <a:pPr/>
-              <a:t>1/3/12</a:t>
+              <a:t>1/4/12</a:t>
             </a:fld>
             <a:endParaRPr lang="en-US"/>
           </a:p>
@@ -1955,7 +1954,7 @@
             <a:fld id="{52146219-D444-4949-8B82-1A0079A42925}" type="datetimeFigureOut">
               <a:rPr lang="en-US"/>
               <a:pPr/>
-              <a:t>1/3/12</a:t>
+              <a:t>1/4/12</a:t>
             </a:fld>
             <a:endParaRPr lang="en-US"/>
           </a:p>
@@ -2227,7 +2226,7 @@
             <a:fld id="{52146219-D444-4949-8B82-1A0079A42925}" type="datetimeFigureOut">
               <a:rPr lang="en-US"/>
               <a:pPr/>
-              <a:t>1/3/12</a:t>
+              <a:t>1/4/12</a:t>
             </a:fld>
             <a:endParaRPr lang="en-US"/>
           </a:p>
@@ -2476,7 +2475,7 @@
             <a:fld id="{52146219-D444-4949-8B82-1A0079A42925}" type="datetimeFigureOut">
               <a:rPr lang="en-US"/>
               <a:pPr/>
-              <a:t>1/3/12</a:t>
+              <a:t>1/4/12</a:t>
             </a:fld>
             <a:endParaRPr lang="en-US"/>
           </a:p>
@@ -2684,7 +2683,7 @@
             <a:fld id="{52146219-D444-4949-8B82-1A0079A42925}" type="datetimeFigureOut">
               <a:rPr lang="en-US"/>
               <a:pPr/>
-              <a:t>1/3/12</a:t>
+              <a:t>1/4/12</a:t>
             </a:fld>
             <a:endParaRPr lang="en-US"/>
           </a:p>
@@ -3139,10 +3138,7 @@
           <a:bodyPr/>
           <a:lstStyle/>
           <a:p>
-            <a:r>
-              <a:rPr lang="en-US"/>
-              <a:t>How a Model Is Fit</a:t>
-            </a:r>
+            <a:endParaRPr lang="en-US"/>
           </a:p>
         </p:txBody>
       </p:sp>
@@ -3161,191 +3157,7 @@
           <a:bodyPr/>
           <a:lstStyle/>
           <a:p>
-            <a:r>
-              <a:rPr lang="en-US"/>
-              <a:t>The following two equations are equivalent:</a:t>
-            </a:r>
-          </a:p>
-          <a:p>
-            <a:pPr lvl="1"/>
-            <a:r>
-              <a:rPr lang="en-US">
-                <a:latin typeface="Times New Roman"/>
-                <a:cs typeface="Times New Roman"/>
-              </a:rPr>
-              <a:t>y = β</a:t>
-            </a:r>
-            <a:r>
-              <a:rPr lang="en-US" baseline="-25000">
-                <a:latin typeface="Times New Roman"/>
-                <a:cs typeface="Times New Roman"/>
-              </a:rPr>
-              <a:t>0</a:t>
-            </a:r>
-            <a:r>
-              <a:rPr lang="en-US">
-                <a:latin typeface="Times New Roman"/>
-                <a:cs typeface="Times New Roman"/>
-              </a:rPr>
-              <a:t> + β</a:t>
-            </a:r>
-            <a:r>
-              <a:rPr lang="en-US" baseline="-25000">
-                <a:latin typeface="Times New Roman"/>
-                <a:cs typeface="Times New Roman"/>
-              </a:rPr>
-              <a:t>1</a:t>
-            </a:r>
-            <a:r>
-              <a:rPr lang="en-US">
-                <a:latin typeface="Times New Roman"/>
-                <a:cs typeface="Times New Roman"/>
-              </a:rPr>
-              <a:t> </a:t>
-            </a:r>
-            <a:r>
-              <a:rPr lang="en-US" b="1">
-                <a:latin typeface="Times New Roman"/>
-                <a:cs typeface="Times New Roman"/>
-              </a:rPr>
-              <a:t>x</a:t>
-            </a:r>
-            <a:r>
-              <a:rPr lang="en-US" baseline="-25000">
-                <a:latin typeface="Times New Roman"/>
-                <a:cs typeface="Times New Roman"/>
-              </a:rPr>
-              <a:t>1</a:t>
-            </a:r>
-          </a:p>
-          <a:p>
-            <a:pPr lvl="1"/>
-            <a:r>
-              <a:rPr lang="en-US">
-                <a:latin typeface="Times New Roman"/>
-                <a:cs typeface="Times New Roman"/>
-              </a:rPr>
-              <a:t>y = </a:t>
-            </a:r>
-            <a:r>
-              <a:rPr lang="en-US" b="1">
-                <a:latin typeface="Times New Roman"/>
-                <a:cs typeface="Times New Roman"/>
-              </a:rPr>
-              <a:t>X</a:t>
-            </a:r>
-            <a:r>
-              <a:rPr lang="en-US">
-                <a:latin typeface="Times New Roman"/>
-                <a:cs typeface="Times New Roman"/>
-              </a:rPr>
-              <a:t> β</a:t>
-            </a:r>
-          </a:p>
-          <a:p>
-            <a:r>
-              <a:rPr lang="en-US"/>
-              <a:t>If we define</a:t>
-            </a:r>
-          </a:p>
-          <a:p>
-            <a:pPr lvl="1"/>
-            <a:r>
-              <a:rPr lang="en-US" b="1">
-                <a:latin typeface="Times New Roman"/>
-                <a:cs typeface="Times New Roman"/>
-              </a:rPr>
-              <a:t>X</a:t>
-            </a:r>
-            <a:r>
-              <a:rPr lang="en-US">
-                <a:latin typeface="Times New Roman"/>
-                <a:cs typeface="Times New Roman"/>
-              </a:rPr>
-              <a:t> = (</a:t>
-            </a:r>
-            <a:r>
-              <a:rPr lang="en-US" b="1">
-                <a:latin typeface="Times New Roman"/>
-                <a:cs typeface="Times New Roman"/>
-              </a:rPr>
-              <a:t>1</a:t>
-            </a:r>
-            <a:r>
-              <a:rPr lang="en-US">
-                <a:latin typeface="Times New Roman"/>
-                <a:cs typeface="Times New Roman"/>
-              </a:rPr>
-              <a:t> </a:t>
-            </a:r>
-            <a:r>
-              <a:rPr lang="en-US" b="1">
-                <a:latin typeface="Times New Roman"/>
-                <a:cs typeface="Times New Roman"/>
-              </a:rPr>
-              <a:t> x</a:t>
-            </a:r>
-            <a:r>
-              <a:rPr lang="en-US" baseline="-25000">
-                <a:latin typeface="Times New Roman"/>
-                <a:cs typeface="Times New Roman"/>
-              </a:rPr>
-              <a:t>1</a:t>
-            </a:r>
-            <a:r>
-              <a:rPr lang="en-US">
-                <a:latin typeface="Times New Roman"/>
-                <a:cs typeface="Times New Roman"/>
-              </a:rPr>
-              <a:t>)</a:t>
-            </a:r>
-          </a:p>
-          <a:p>
-            <a:pPr lvl="1"/>
-            <a:r>
-              <a:rPr lang="en-US">
-                <a:latin typeface="Times New Roman"/>
-                <a:cs typeface="Times New Roman"/>
-              </a:rPr>
-              <a:t>β = (β</a:t>
-            </a:r>
-            <a:r>
-              <a:rPr lang="en-US" baseline="-25000">
-                <a:latin typeface="Times New Roman"/>
-                <a:cs typeface="Times New Roman"/>
-              </a:rPr>
-              <a:t>0 </a:t>
-            </a:r>
-            <a:r>
-              <a:rPr lang="en-US">
-                <a:latin typeface="Times New Roman"/>
-                <a:cs typeface="Times New Roman"/>
-              </a:rPr>
-              <a:t> β</a:t>
-            </a:r>
-            <a:r>
-              <a:rPr lang="en-US" baseline="-25000">
-                <a:latin typeface="Times New Roman"/>
-                <a:cs typeface="Times New Roman"/>
-              </a:rPr>
-              <a:t>1</a:t>
-            </a:r>
-            <a:r>
-              <a:rPr lang="en-US">
-                <a:latin typeface="Times New Roman"/>
-                <a:cs typeface="Times New Roman"/>
-              </a:rPr>
-              <a:t> )</a:t>
-            </a:r>
-          </a:p>
-          <a:p>
-            <a:r>
-              <a:rPr lang="en-US">
-                <a:latin typeface="Calibri"/>
-                <a:cs typeface="Calibri"/>
-              </a:rPr>
-              <a:t>This leads to the definition and construction of the model matrix Ｘ</a:t>
-            </a:r>
+            <a:endParaRPr lang="en-US"/>
           </a:p>
         </p:txBody>
       </p:sp>
@@ -3358,69 +3170,6 @@
 </file>
 
 <file path=ppt/slides/slide11.xml><?xml version="1.0" encoding="utf-8"?>
-<p:sld xmlns:a="http://schemas.openxmlformats.org/drawingml/2006/main" xmlns:r="http://schemas.openxmlformats.org/officeDocument/2006/relationships" xmlns:mc="http://schemas.openxmlformats.org/markup-compatibility/2006" xmlns:mv="urn:schemas-microsoft-com:mac:vml" xmlns:p="http://schemas.openxmlformats.org/presentationml/2006/main" mc:Ignorable="mv" mc:PreserveAttributes="mv:*">
-  <p:cSld>
-    <p:spTree>
-      <p:nvGrpSpPr>
-        <p:cNvPr id="1" name=""/>
-        <p:cNvGrpSpPr/>
-        <p:nvPr/>
-      </p:nvGrpSpPr>
-      <p:grpSpPr>
-        <a:xfrm>
-          <a:off x="0" y="0"/>
-          <a:ext cx="0" cy="0"/>
-          <a:chOff x="0" y="0"/>
-          <a:chExt cx="0" cy="0"/>
-        </a:xfrm>
-      </p:grpSpPr>
-      <p:sp>
-        <p:nvSpPr>
-          <p:cNvPr id="2" name="Title 1"/>
-          <p:cNvSpPr>
-            <a:spLocks noGrp="1"/>
-          </p:cNvSpPr>
-          <p:nvPr>
-            <p:ph type="title"/>
-          </p:nvPr>
-        </p:nvSpPr>
-        <p:spPr/>
-        <p:txBody>
-          <a:bodyPr/>
-          <a:lstStyle/>
-          <a:p>
-            <a:endParaRPr lang="en-US"/>
-          </a:p>
-        </p:txBody>
-      </p:sp>
-      <p:sp>
-        <p:nvSpPr>
-          <p:cNvPr id="3" name="Content Placeholder 2"/>
-          <p:cNvSpPr>
-            <a:spLocks noGrp="1"/>
-          </p:cNvSpPr>
-          <p:nvPr>
-            <p:ph idx="1"/>
-          </p:nvPr>
-        </p:nvSpPr>
-        <p:spPr/>
-        <p:txBody>
-          <a:bodyPr/>
-          <a:lstStyle/>
-          <a:p>
-            <a:endParaRPr lang="en-US"/>
-          </a:p>
-        </p:txBody>
-      </p:sp>
-    </p:spTree>
-  </p:cSld>
-  <p:clrMapOvr>
-    <a:masterClrMapping/>
-  </p:clrMapOvr>
-</p:sld>
-</file>
-
-<file path=ppt/slides/slide12.xml><?xml version="1.0" encoding="utf-8"?>
 <p:sld xmlns:a="http://schemas.openxmlformats.org/drawingml/2006/main" xmlns:r="http://schemas.openxmlformats.org/officeDocument/2006/relationships" xmlns:mc="http://schemas.openxmlformats.org/markup-compatibility/2006" xmlns:mv="urn:schemas-microsoft-com:mac:vml" xmlns:p="http://schemas.openxmlformats.org/presentationml/2006/main" mc:Ignorable="mv" mc:PreserveAttributes="mv:*">
   <p:cSld>
     <p:spTree>
@@ -4000,7 +3749,7 @@
 </p:sld>
 </file>
 
-<file path=ppt/slides/slide13.xml><?xml version="1.0" encoding="utf-8"?>
+<file path=ppt/slides/slide12.xml><?xml version="1.0" encoding="utf-8"?>
 <p:sld xmlns:a="http://schemas.openxmlformats.org/drawingml/2006/main" xmlns:r="http://schemas.openxmlformats.org/officeDocument/2006/relationships" xmlns:mc="http://schemas.openxmlformats.org/markup-compatibility/2006" xmlns:mv="urn:schemas-microsoft-com:mac:vml" xmlns:p="http://schemas.openxmlformats.org/presentationml/2006/main" mc:Ignorable="mv" mc:PreserveAttributes="mv:*">
   <p:cSld>
     <p:spTree>
@@ -4708,7 +4457,7 @@
 </p:sld>
 </file>
 
-<file path=ppt/slides/slide14.xml><?xml version="1.0" encoding="utf-8"?>
+<file path=ppt/slides/slide13.xml><?xml version="1.0" encoding="utf-8"?>
 <p:sld xmlns:a="http://schemas.openxmlformats.org/drawingml/2006/main" xmlns:r="http://schemas.openxmlformats.org/officeDocument/2006/relationships" xmlns:mc="http://schemas.openxmlformats.org/markup-compatibility/2006" xmlns:mv="urn:schemas-microsoft-com:mac:vml" xmlns:p="http://schemas.openxmlformats.org/presentationml/2006/main" mc:Ignorable="mv" mc:PreserveAttributes="mv:*">
   <p:cSld>
     <p:spTree>
@@ -5275,6 +5024,116 @@
 </p:sld>
 </file>
 
+<file path=ppt/slides/slide14.xml><?xml version="1.0" encoding="utf-8"?>
+<p:sld xmlns:a="http://schemas.openxmlformats.org/drawingml/2006/main" xmlns:r="http://schemas.openxmlformats.org/officeDocument/2006/relationships" xmlns:mc="http://schemas.openxmlformats.org/markup-compatibility/2006" xmlns:mv="urn:schemas-microsoft-com:mac:vml" xmlns:p="http://schemas.openxmlformats.org/presentationml/2006/main" mc:Ignorable="mv" mc:PreserveAttributes="mv:*">
+  <p:cSld>
+    <p:spTree>
+      <p:nvGrpSpPr>
+        <p:cNvPr id="1" name=""/>
+        <p:cNvGrpSpPr/>
+        <p:nvPr/>
+      </p:nvGrpSpPr>
+      <p:grpSpPr>
+        <a:xfrm>
+          <a:off x="0" y="0"/>
+          <a:ext cx="0" cy="0"/>
+          <a:chOff x="0" y="0"/>
+          <a:chExt cx="0" cy="0"/>
+        </a:xfrm>
+      </p:grpSpPr>
+      <p:sp>
+        <p:nvSpPr>
+          <p:cNvPr id="2" name="Title 1"/>
+          <p:cNvSpPr>
+            <a:spLocks noGrp="1"/>
+          </p:cNvSpPr>
+          <p:nvPr>
+            <p:ph type="title"/>
+          </p:nvPr>
+        </p:nvSpPr>
+        <p:spPr/>
+        <p:txBody>
+          <a:bodyPr/>
+          <a:lstStyle/>
+          <a:p>
+            <a:r>
+              <a:rPr lang="en-US"/>
+              <a:t>Statistical Simulation</a:t>
+            </a:r>
+          </a:p>
+        </p:txBody>
+      </p:sp>
+      <p:sp>
+        <p:nvSpPr>
+          <p:cNvPr id="3" name="Content Placeholder 2"/>
+          <p:cNvSpPr>
+            <a:spLocks noGrp="1"/>
+          </p:cNvSpPr>
+          <p:nvPr>
+            <p:ph idx="1"/>
+          </p:nvPr>
+        </p:nvSpPr>
+        <p:spPr/>
+        <p:txBody>
+          <a:bodyPr/>
+          <a:lstStyle/>
+          <a:p>
+            <a:r>
+              <a:rPr lang="en-US"/>
+              <a:t>Most quantities of interest can be simulated using statistical simulation</a:t>
+            </a:r>
+          </a:p>
+          <a:p>
+            <a:pPr lvl="1"/>
+            <a:r>
+              <a:rPr lang="en-US"/>
+              <a:t>Expected Values</a:t>
+            </a:r>
+          </a:p>
+          <a:p>
+            <a:pPr lvl="1"/>
+            <a:r>
+              <a:rPr lang="en-US"/>
+              <a:t>Predicted Values</a:t>
+            </a:r>
+          </a:p>
+          <a:p>
+            <a:pPr lvl="1"/>
+            <a:r>
+              <a:rPr lang="en-US"/>
+              <a:t>Risk Ratios</a:t>
+            </a:r>
+          </a:p>
+          <a:p>
+            <a:pPr lvl="1"/>
+            <a:r>
+              <a:rPr lang="en-US"/>
+              <a:t>First Differences</a:t>
+            </a:r>
+          </a:p>
+          <a:p>
+            <a:pPr lvl="1"/>
+            <a:r>
+              <a:rPr lang="en-US"/>
+              <a:t>Average Treatment Effect</a:t>
+            </a:r>
+          </a:p>
+          <a:p>
+            <a:r>
+              <a:rPr lang="en-US"/>
+              <a:t>Most of these are based on "Expected Values"</a:t>
+            </a:r>
+          </a:p>
+        </p:txBody>
+      </p:sp>
+    </p:spTree>
+  </p:cSld>
+  <p:clrMapOvr>
+    <a:masterClrMapping/>
+  </p:clrMapOvr>
+</p:sld>
+</file>
+
 <file path=ppt/slides/slide15.xml><?xml version="1.0" encoding="utf-8"?>
 <p:sld xmlns:a="http://schemas.openxmlformats.org/drawingml/2006/main" xmlns:r="http://schemas.openxmlformats.org/officeDocument/2006/relationships" xmlns:mc="http://schemas.openxmlformats.org/markup-compatibility/2006" xmlns:mv="urn:schemas-microsoft-com:mac:vml" xmlns:p="http://schemas.openxmlformats.org/presentationml/2006/main" mc:Ignorable="mv" mc:PreserveAttributes="mv:*">
   <p:cSld>
@@ -5331,49 +5190,52 @@
           <a:p>
             <a:r>
               <a:rPr lang="en-US"/>
-              <a:t>Most quantities of interest can be simulated using statistical simulation</a:t>
+              <a:t>Can be reduced to matrix multiplication</a:t>
+            </a:r>
+          </a:p>
+          <a:p>
+            <a:r>
+              <a:rPr lang="en-US"/>
+              <a:t>Why?</a:t>
             </a:r>
           </a:p>
           <a:p>
             <a:pPr lvl="1"/>
             <a:r>
               <a:rPr lang="en-US"/>
-              <a:t>Expected Values</a:t>
+              <a:t>f(y) = b0 + b1 x1 + b2 x2 + … + bn * xn</a:t>
             </a:r>
           </a:p>
           <a:p>
             <a:pPr lvl="1"/>
             <a:r>
               <a:rPr lang="en-US"/>
-              <a:t>Predicted Values</a:t>
+              <a:t>Where b0 … bn are the simulated parameters</a:t>
             </a:r>
           </a:p>
           <a:p>
             <a:pPr lvl="1"/>
             <a:r>
               <a:rPr lang="en-US"/>
-              <a:t>Risk Ratios</a:t>
+              <a:t>x1 to xn are the values we specied in the "setx" function</a:t>
             </a:r>
           </a:p>
           <a:p>
             <a:pPr lvl="1"/>
             <a:r>
               <a:rPr lang="en-US"/>
-              <a:t>First Differences</a:t>
+              <a:t>The result gives us a value for f(y), applying the inverse function</a:t>
             </a:r>
           </a:p>
           <a:p>
             <a:pPr lvl="1"/>
-            <a:r>
-              <a:rPr lang="en-US"/>
-              <a:t>Average Treatment Effect</a:t>
-            </a:r>
-          </a:p>
-          <a:p>
-            <a:r>
-              <a:rPr lang="en-US"/>
-              <a:t>Most of these are based on "Expected Values"</a:t>
-            </a:r>
+            <a:endParaRPr lang="en-US"/>
+          </a:p>
+          <a:p>
+            <a:endParaRPr lang="en-US"/>
+          </a:p>
+          <a:p>
+            <a:endParaRPr lang="en-US"/>
           </a:p>
         </p:txBody>
       </p:sp>
@@ -5441,52 +5303,20 @@
           <a:p>
             <a:r>
               <a:rPr lang="en-US"/>
-              <a:t>Can be reduced to matrix multiplication</a:t>
-            </a:r>
-          </a:p>
-          <a:p>
-            <a:r>
-              <a:rPr lang="en-US"/>
-              <a:t>Why?</a:t>
-            </a:r>
-          </a:p>
-          <a:p>
-            <a:pPr lvl="1"/>
-            <a:r>
-              <a:rPr lang="en-US"/>
-              <a:t>f(y) = b0 + b1 x1 + b2 x2 + … + bn * xn</a:t>
-            </a:r>
-          </a:p>
-          <a:p>
-            <a:pPr lvl="1"/>
-            <a:r>
-              <a:rPr lang="en-US"/>
-              <a:t>Where b0 … bn are the simulated parameters</a:t>
-            </a:r>
-          </a:p>
-          <a:p>
-            <a:pPr lvl="1"/>
-            <a:r>
-              <a:rPr lang="en-US"/>
-              <a:t>x1 to xn are the values we specied in the "setx" function</a:t>
-            </a:r>
-          </a:p>
-          <a:p>
-            <a:pPr lvl="1"/>
-            <a:r>
-              <a:rPr lang="en-US"/>
-              <a:t>The result gives us a value for f(y), applying the inverse function</a:t>
-            </a:r>
-          </a:p>
-          <a:p>
-            <a:pPr lvl="1"/>
-            <a:endParaRPr lang="en-US"/>
-          </a:p>
-          <a:p>
-            <a:endParaRPr lang="en-US"/>
-          </a:p>
-          <a:p>
-            <a:endParaRPr lang="en-US"/>
+              <a:t>f(yi) = b0 + xi,1 * b1 + xi,2 * b2 + …</a:t>
+            </a:r>
+          </a:p>
+          <a:p>
+            <a:r>
+              <a:rPr lang="en-US"/>
+              <a:t>The variance-covariance matrix specifies the correlation of parameters to one another of the fitted model</a:t>
+            </a:r>
+          </a:p>
+          <a:p>
+            <a:r>
+              <a:rPr lang="en-US"/>
+              <a:t>The </a:t>
+            </a:r>
           </a:p>
         </p:txBody>
       </p:sp>
@@ -5499,87 +5329,6 @@
 </file>
 
 <file path=ppt/slides/slide17.xml><?xml version="1.0" encoding="utf-8"?>
-<p:sld xmlns:a="http://schemas.openxmlformats.org/drawingml/2006/main" xmlns:r="http://schemas.openxmlformats.org/officeDocument/2006/relationships" xmlns:mc="http://schemas.openxmlformats.org/markup-compatibility/2006" xmlns:mv="urn:schemas-microsoft-com:mac:vml" xmlns:p="http://schemas.openxmlformats.org/presentationml/2006/main" mc:Ignorable="mv" mc:PreserveAttributes="mv:*">
-  <p:cSld>
-    <p:spTree>
-      <p:nvGrpSpPr>
-        <p:cNvPr id="1" name=""/>
-        <p:cNvGrpSpPr/>
-        <p:nvPr/>
-      </p:nvGrpSpPr>
-      <p:grpSpPr>
-        <a:xfrm>
-          <a:off x="0" y="0"/>
-          <a:ext cx="0" cy="0"/>
-          <a:chOff x="0" y="0"/>
-          <a:chExt cx="0" cy="0"/>
-        </a:xfrm>
-      </p:grpSpPr>
-      <p:sp>
-        <p:nvSpPr>
-          <p:cNvPr id="2" name="Title 1"/>
-          <p:cNvSpPr>
-            <a:spLocks noGrp="1"/>
-          </p:cNvSpPr>
-          <p:nvPr>
-            <p:ph type="title"/>
-          </p:nvPr>
-        </p:nvSpPr>
-        <p:spPr/>
-        <p:txBody>
-          <a:bodyPr/>
-          <a:lstStyle/>
-          <a:p>
-            <a:r>
-              <a:rPr lang="en-US"/>
-              <a:t>Statistical Simulation</a:t>
-            </a:r>
-          </a:p>
-        </p:txBody>
-      </p:sp>
-      <p:sp>
-        <p:nvSpPr>
-          <p:cNvPr id="3" name="Content Placeholder 2"/>
-          <p:cNvSpPr>
-            <a:spLocks noGrp="1"/>
-          </p:cNvSpPr>
-          <p:nvPr>
-            <p:ph idx="1"/>
-          </p:nvPr>
-        </p:nvSpPr>
-        <p:spPr/>
-        <p:txBody>
-          <a:bodyPr/>
-          <a:lstStyle/>
-          <a:p>
-            <a:r>
-              <a:rPr lang="en-US"/>
-              <a:t>f(yi) = b0 + xi,1 * b1 + xi,2 * b2 + …</a:t>
-            </a:r>
-          </a:p>
-          <a:p>
-            <a:r>
-              <a:rPr lang="en-US"/>
-              <a:t>The variance-covariance matrix specifies the correlation of parameters to one another of the fitted model</a:t>
-            </a:r>
-          </a:p>
-          <a:p>
-            <a:r>
-              <a:rPr lang="en-US"/>
-              <a:t>The </a:t>
-            </a:r>
-          </a:p>
-        </p:txBody>
-      </p:sp>
-    </p:spTree>
-  </p:cSld>
-  <p:clrMapOvr>
-    <a:masterClrMapping/>
-  </p:clrMapOvr>
-</p:sld>
-</file>
-
-<file path=ppt/slides/slide18.xml><?xml version="1.0" encoding="utf-8"?>
 <p:sld xmlns:a="http://schemas.openxmlformats.org/drawingml/2006/main" xmlns:r="http://schemas.openxmlformats.org/officeDocument/2006/relationships" xmlns:mc="http://schemas.openxmlformats.org/markup-compatibility/2006" xmlns:mv="urn:schemas-microsoft-com:mac:vml" xmlns:p="http://schemas.openxmlformats.org/presentationml/2006/main" mc:Ignorable="mv" mc:PreserveAttributes="mv:*">
   <p:cSld>
     <p:spTree>
@@ -6362,60 +6111,293 @@
         </p:nvSpPr>
         <p:spPr/>
         <p:txBody>
+          <a:bodyPr>
+            <a:normAutofit fontScale="90000"/>
+          </a:bodyPr>
+          <a:lstStyle/>
+          <a:p>
+            <a:r>
+              <a:rPr lang="en-US"/>
+              <a:t>The Design Matrix</a:t>
+            </a:r>
+            <a:br>
+              <a:rPr lang="en-US"/>
+            </a:br>
+            <a:r>
+              <a:rPr lang="en-US"/>
+              <a:t>(The Model Matrix)</a:t>
+            </a:r>
+          </a:p>
+        </p:txBody>
+      </p:sp>
+      <p:sp>
+        <p:nvSpPr>
+          <p:cNvPr id="3" name="Content Placeholder 2"/>
+          <p:cNvSpPr>
+            <a:spLocks noGrp="1"/>
+          </p:cNvSpPr>
+          <p:nvPr>
+            <p:ph idx="1"/>
+          </p:nvPr>
+        </p:nvSpPr>
+        <p:spPr/>
+        <p:txBody>
           <a:bodyPr/>
           <a:lstStyle/>
           <a:p>
             <a:r>
-              <a:rPr lang="en-US"/>
-              <a:t>Specifying variables typically</a:t>
-            </a:r>
-          </a:p>
-        </p:txBody>
-      </p:sp>
-      <p:sp>
-        <p:nvSpPr>
-          <p:cNvPr id="3" name="Content Placeholder 2"/>
-          <p:cNvSpPr>
-            <a:spLocks noGrp="1"/>
-          </p:cNvSpPr>
-          <p:nvPr>
-            <p:ph idx="1"/>
-          </p:nvPr>
-        </p:nvSpPr>
-        <p:spPr/>
-        <p:txBody>
-          <a:bodyPr/>
-          <a:lstStyle/>
-          <a:p>
-            <a:r>
-              <a:rPr lang="en-US"/>
-              <a:t>Each column in the matrix </a:t>
-            </a:r>
-            <a:r>
-              <a:rPr lang="en-US" b="1"/>
+              <a:rPr lang="en-US">
+                <a:latin typeface="Times New Roman"/>
+                <a:cs typeface="Times New Roman"/>
+              </a:rPr>
+              <a:t>f(y) = β</a:t>
+            </a:r>
+            <a:r>
+              <a:rPr lang="en-US" baseline="-25000">
+                <a:latin typeface="Times New Roman"/>
+                <a:cs typeface="Times New Roman"/>
+              </a:rPr>
+              <a:t>1</a:t>
+            </a:r>
+            <a:r>
+              <a:rPr lang="en-US">
+                <a:latin typeface="Times New Roman"/>
+                <a:cs typeface="Times New Roman"/>
+              </a:rPr>
+              <a:t> </a:t>
+            </a:r>
+            <a:r>
+              <a:rPr lang="en-US" b="1">
+                <a:latin typeface="Times New Roman"/>
+                <a:cs typeface="Times New Roman"/>
+              </a:rPr>
+              <a:t>x</a:t>
+            </a:r>
+            <a:r>
+              <a:rPr lang="en-US" baseline="-25000">
+                <a:latin typeface="Times New Roman"/>
+                <a:cs typeface="Times New Roman"/>
+              </a:rPr>
+              <a:t>1 </a:t>
+            </a:r>
+            <a:r>
+              <a:rPr lang="en-US">
+                <a:latin typeface="Times New Roman"/>
+                <a:cs typeface="Times New Roman"/>
+              </a:rPr>
+              <a:t>+</a:t>
+            </a:r>
+            <a:r>
+              <a:rPr lang="en-US" baseline="-25000">
+                <a:latin typeface="Times New Roman"/>
+                <a:cs typeface="Times New Roman"/>
+              </a:rPr>
+              <a:t> </a:t>
+            </a:r>
+            <a:r>
+              <a:rPr lang="en-US">
+                <a:latin typeface="Times New Roman"/>
+                <a:cs typeface="Times New Roman"/>
+              </a:rPr>
+              <a:t>β</a:t>
+            </a:r>
+            <a:r>
+              <a:rPr lang="en-US" baseline="-25000">
+                <a:latin typeface="Times New Roman"/>
+                <a:cs typeface="Times New Roman"/>
+              </a:rPr>
+              <a:t>2</a:t>
+            </a:r>
+            <a:r>
+              <a:rPr lang="en-US">
+                <a:latin typeface="Times New Roman"/>
+                <a:cs typeface="Times New Roman"/>
+              </a:rPr>
+              <a:t> </a:t>
+            </a:r>
+            <a:r>
+              <a:rPr lang="en-US" b="1">
+                <a:latin typeface="Times New Roman"/>
+                <a:cs typeface="Times New Roman"/>
+              </a:rPr>
+              <a:t>x</a:t>
+            </a:r>
+            <a:r>
+              <a:rPr lang="en-US" baseline="-25000">
+                <a:latin typeface="Times New Roman"/>
+                <a:cs typeface="Times New Roman"/>
+              </a:rPr>
+              <a:t>2 </a:t>
+            </a:r>
+            <a:r>
+              <a:rPr lang="en-US">
+                <a:latin typeface="Times New Roman"/>
+                <a:cs typeface="Times New Roman"/>
+              </a:rPr>
+              <a:t>+</a:t>
+            </a:r>
+            <a:r>
+              <a:rPr lang="en-US" baseline="-25000">
+                <a:latin typeface="Times New Roman"/>
+                <a:cs typeface="Times New Roman"/>
+              </a:rPr>
+              <a:t> </a:t>
+            </a:r>
+            <a:r>
+              <a:rPr lang="en-US">
+                <a:latin typeface="Times New Roman"/>
+                <a:cs typeface="Times New Roman"/>
+              </a:rPr>
+              <a:t>β</a:t>
+            </a:r>
+            <a:r>
+              <a:rPr lang="en-US" baseline="-25000">
+                <a:latin typeface="Times New Roman"/>
+                <a:cs typeface="Times New Roman"/>
+              </a:rPr>
+              <a:t>3</a:t>
+            </a:r>
+            <a:r>
+              <a:rPr lang="en-US">
+                <a:latin typeface="Times New Roman"/>
+                <a:cs typeface="Times New Roman"/>
+              </a:rPr>
+              <a:t> </a:t>
+            </a:r>
+            <a:r>
+              <a:rPr lang="en-US" b="1">
+                <a:latin typeface="Times New Roman"/>
+                <a:cs typeface="Times New Roman"/>
+              </a:rPr>
+              <a:t>x</a:t>
+            </a:r>
+            <a:r>
+              <a:rPr lang="en-US" baseline="-25000">
+                <a:latin typeface="Times New Roman"/>
+                <a:cs typeface="Times New Roman"/>
+              </a:rPr>
+              <a:t>3 </a:t>
+            </a:r>
+            <a:r>
+              <a:rPr lang="en-US">
+                <a:latin typeface="Times New Roman"/>
+                <a:cs typeface="Times New Roman"/>
+              </a:rPr>
+              <a:t>+</a:t>
+            </a:r>
+            <a:r>
+              <a:rPr lang="en-US" baseline="-25000">
+                <a:latin typeface="Times New Roman"/>
+                <a:cs typeface="Times New Roman"/>
+              </a:rPr>
+              <a:t> </a:t>
+            </a:r>
+            <a:r>
+              <a:rPr lang="en-US">
+                <a:latin typeface="Times New Roman"/>
+                <a:cs typeface="Times New Roman"/>
+              </a:rPr>
+              <a:t>β</a:t>
+            </a:r>
+            <a:r>
+              <a:rPr lang="en-US" baseline="-25000">
+                <a:latin typeface="Times New Roman"/>
+                <a:cs typeface="Times New Roman"/>
+              </a:rPr>
+              <a:t>4</a:t>
+            </a:r>
+            <a:r>
+              <a:rPr lang="en-US">
+                <a:latin typeface="Times New Roman"/>
+                <a:cs typeface="Times New Roman"/>
+              </a:rPr>
+              <a:t> </a:t>
+            </a:r>
+            <a:r>
+              <a:rPr lang="en-US" b="1">
+                <a:latin typeface="Times New Roman"/>
+                <a:cs typeface="Times New Roman"/>
+              </a:rPr>
+              <a:t>x</a:t>
+            </a:r>
+            <a:r>
+              <a:rPr lang="en-US" baseline="-25000">
+                <a:latin typeface="Times New Roman"/>
+                <a:cs typeface="Times New Roman"/>
+              </a:rPr>
+              <a:t>4 </a:t>
+            </a:r>
+            <a:r>
+              <a:rPr lang="en-US">
+                <a:latin typeface="Times New Roman"/>
+                <a:cs typeface="Times New Roman"/>
+              </a:rPr>
+              <a:t>+ … +</a:t>
+            </a:r>
+            <a:r>
+              <a:rPr lang="en-US" baseline="-25000">
+                <a:latin typeface="Times New Roman"/>
+                <a:cs typeface="Times New Roman"/>
+              </a:rPr>
+              <a:t> </a:t>
+            </a:r>
+            <a:r>
+              <a:rPr lang="en-US">
+                <a:latin typeface="Times New Roman"/>
+                <a:cs typeface="Times New Roman"/>
+              </a:rPr>
+              <a:t>β</a:t>
+            </a:r>
+            <a:r>
+              <a:rPr lang="en-US" baseline="-25000">
+                <a:latin typeface="Times New Roman"/>
+                <a:cs typeface="Times New Roman"/>
+              </a:rPr>
+              <a:t>n</a:t>
+            </a:r>
+            <a:r>
+              <a:rPr lang="en-US">
+                <a:latin typeface="Times New Roman"/>
+                <a:cs typeface="Times New Roman"/>
+              </a:rPr>
+              <a:t> </a:t>
+            </a:r>
+            <a:r>
+              <a:rPr lang="en-US" b="1">
+                <a:latin typeface="Times New Roman"/>
+                <a:cs typeface="Times New Roman"/>
+              </a:rPr>
+              <a:t>x</a:t>
+            </a:r>
+            <a:r>
+              <a:rPr lang="en-US" baseline="-25000">
+                <a:latin typeface="Times New Roman"/>
+                <a:cs typeface="Times New Roman"/>
+              </a:rPr>
+              <a:t>n</a:t>
+            </a:r>
+          </a:p>
+          <a:p>
+            <a:r>
+              <a:rPr lang="en-US">
+                <a:latin typeface="Times New Roman"/>
+                <a:cs typeface="Times New Roman"/>
+              </a:rPr>
+              <a:t>f(y) = </a:t>
+            </a:r>
+            <a:r>
+              <a:rPr lang="en-US" b="1">
+                <a:latin typeface="Times New Roman"/>
+                <a:cs typeface="Times New Roman"/>
+              </a:rPr>
               <a:t>X</a:t>
             </a:r>
             <a:r>
-              <a:rPr lang="en-US"/>
-              <a:t> corresponds to a predictor variables</a:t>
-            </a:r>
-          </a:p>
-          <a:p>
-            <a:r>
-              <a:rPr lang="en-US"/>
-              <a:t>In this example, the matrix will only contain a single row</a:t>
-            </a:r>
-          </a:p>
-          <a:p>
-            <a:r>
-              <a:rPr lang="en-US"/>
-              <a:t>Multiple rows can be used to simultaneously produce multiple outcomes</a:t>
-            </a:r>
-          </a:p>
-          <a:p>
-            <a:r>
-              <a:rPr lang="en-US"/>
-              <a:t>Factor predictor variables are handled slightly different than numeric variables </a:t>
+              <a:rPr lang="en-US">
+                <a:latin typeface="Times New Roman"/>
+                <a:cs typeface="Times New Roman"/>
+              </a:rPr>
+              <a:t> β</a:t>
             </a:r>
           </a:p>
         </p:txBody>
@@ -6429,334 +6411,6 @@
 </file>
 
 <file path=ppt/slides/slide8.xml><?xml version="1.0" encoding="utf-8"?>
-<p:sld xmlns:a="http://schemas.openxmlformats.org/drawingml/2006/main" xmlns:r="http://schemas.openxmlformats.org/officeDocument/2006/relationships" xmlns:mc="http://schemas.openxmlformats.org/markup-compatibility/2006" xmlns:mv="urn:schemas-microsoft-com:mac:vml" xmlns:p="http://schemas.openxmlformats.org/presentationml/2006/main" mc:Ignorable="mv" mc:PreserveAttributes="mv:*">
-  <p:cSld>
-    <p:spTree>
-      <p:nvGrpSpPr>
-        <p:cNvPr id="1" name=""/>
-        <p:cNvGrpSpPr/>
-        <p:nvPr/>
-      </p:nvGrpSpPr>
-      <p:grpSpPr>
-        <a:xfrm>
-          <a:off x="0" y="0"/>
-          <a:ext cx="0" cy="0"/>
-          <a:chOff x="0" y="0"/>
-          <a:chExt cx="0" cy="0"/>
-        </a:xfrm>
-      </p:grpSpPr>
-      <p:sp>
-        <p:nvSpPr>
-          <p:cNvPr id="2" name="Title 1"/>
-          <p:cNvSpPr>
-            <a:spLocks noGrp="1"/>
-          </p:cNvSpPr>
-          <p:nvPr>
-            <p:ph type="title"/>
-          </p:nvPr>
-        </p:nvSpPr>
-        <p:spPr/>
-        <p:txBody>
-          <a:bodyPr>
-            <a:normAutofit fontScale="90000"/>
-          </a:bodyPr>
-          <a:lstStyle/>
-          <a:p>
-            <a:r>
-              <a:rPr lang="en-US"/>
-              <a:t>The Design Matrix</a:t>
-            </a:r>
-            <a:br>
-              <a:rPr lang="en-US"/>
-            </a:br>
-            <a:r>
-              <a:rPr lang="en-US"/>
-              <a:t>(The Model Matrix)</a:t>
-            </a:r>
-          </a:p>
-        </p:txBody>
-      </p:sp>
-      <p:sp>
-        <p:nvSpPr>
-          <p:cNvPr id="3" name="Content Placeholder 2"/>
-          <p:cNvSpPr>
-            <a:spLocks noGrp="1"/>
-          </p:cNvSpPr>
-          <p:nvPr>
-            <p:ph idx="1"/>
-          </p:nvPr>
-        </p:nvSpPr>
-        <p:spPr/>
-        <p:txBody>
-          <a:bodyPr/>
-          <a:lstStyle/>
-          <a:p>
-            <a:r>
-              <a:rPr lang="en-US">
-                <a:latin typeface="Times New Roman"/>
-                <a:cs typeface="Times New Roman"/>
-              </a:rPr>
-              <a:t>f(y) = β</a:t>
-            </a:r>
-            <a:r>
-              <a:rPr lang="en-US" baseline="-25000">
-                <a:latin typeface="Times New Roman"/>
-                <a:cs typeface="Times New Roman"/>
-              </a:rPr>
-              <a:t>1</a:t>
-            </a:r>
-            <a:r>
-              <a:rPr lang="en-US">
-                <a:latin typeface="Times New Roman"/>
-                <a:cs typeface="Times New Roman"/>
-              </a:rPr>
-              <a:t> </a:t>
-            </a:r>
-            <a:r>
-              <a:rPr lang="en-US" b="1">
-                <a:latin typeface="Times New Roman"/>
-                <a:cs typeface="Times New Roman"/>
-              </a:rPr>
-              <a:t>x</a:t>
-            </a:r>
-            <a:r>
-              <a:rPr lang="en-US" baseline="-25000">
-                <a:latin typeface="Times New Roman"/>
-                <a:cs typeface="Times New Roman"/>
-              </a:rPr>
-              <a:t>1 </a:t>
-            </a:r>
-            <a:r>
-              <a:rPr lang="en-US">
-                <a:latin typeface="Times New Roman"/>
-                <a:cs typeface="Times New Roman"/>
-              </a:rPr>
-              <a:t>+</a:t>
-            </a:r>
-            <a:r>
-              <a:rPr lang="en-US" baseline="-25000">
-                <a:latin typeface="Times New Roman"/>
-                <a:cs typeface="Times New Roman"/>
-              </a:rPr>
-              <a:t> </a:t>
-            </a:r>
-            <a:r>
-              <a:rPr lang="en-US">
-                <a:latin typeface="Times New Roman"/>
-                <a:cs typeface="Times New Roman"/>
-              </a:rPr>
-              <a:t>β</a:t>
-            </a:r>
-            <a:r>
-              <a:rPr lang="en-US" baseline="-25000">
-                <a:latin typeface="Times New Roman"/>
-                <a:cs typeface="Times New Roman"/>
-              </a:rPr>
-              <a:t>2</a:t>
-            </a:r>
-            <a:r>
-              <a:rPr lang="en-US">
-                <a:latin typeface="Times New Roman"/>
-                <a:cs typeface="Times New Roman"/>
-              </a:rPr>
-              <a:t> </a:t>
-            </a:r>
-            <a:r>
-              <a:rPr lang="en-US" b="1">
-                <a:latin typeface="Times New Roman"/>
-                <a:cs typeface="Times New Roman"/>
-              </a:rPr>
-              <a:t>x</a:t>
-            </a:r>
-            <a:r>
-              <a:rPr lang="en-US" baseline="-25000">
-                <a:latin typeface="Times New Roman"/>
-                <a:cs typeface="Times New Roman"/>
-              </a:rPr>
-              <a:t>2 </a:t>
-            </a:r>
-            <a:r>
-              <a:rPr lang="en-US">
-                <a:latin typeface="Times New Roman"/>
-                <a:cs typeface="Times New Roman"/>
-              </a:rPr>
-              <a:t>+</a:t>
-            </a:r>
-            <a:r>
-              <a:rPr lang="en-US" baseline="-25000">
-                <a:latin typeface="Times New Roman"/>
-                <a:cs typeface="Times New Roman"/>
-              </a:rPr>
-              <a:t> </a:t>
-            </a:r>
-            <a:r>
-              <a:rPr lang="en-US">
-                <a:latin typeface="Times New Roman"/>
-                <a:cs typeface="Times New Roman"/>
-              </a:rPr>
-              <a:t>β</a:t>
-            </a:r>
-            <a:r>
-              <a:rPr lang="en-US" baseline="-25000">
-                <a:latin typeface="Times New Roman"/>
-                <a:cs typeface="Times New Roman"/>
-              </a:rPr>
-              <a:t>3</a:t>
-            </a:r>
-            <a:r>
-              <a:rPr lang="en-US">
-                <a:latin typeface="Times New Roman"/>
-                <a:cs typeface="Times New Roman"/>
-              </a:rPr>
-              <a:t> </a:t>
-            </a:r>
-            <a:r>
-              <a:rPr lang="en-US" b="1">
-                <a:latin typeface="Times New Roman"/>
-                <a:cs typeface="Times New Roman"/>
-              </a:rPr>
-              <a:t>x</a:t>
-            </a:r>
-            <a:r>
-              <a:rPr lang="en-US" baseline="-25000">
-                <a:latin typeface="Times New Roman"/>
-                <a:cs typeface="Times New Roman"/>
-              </a:rPr>
-              <a:t>3 </a:t>
-            </a:r>
-            <a:r>
-              <a:rPr lang="en-US">
-                <a:latin typeface="Times New Roman"/>
-                <a:cs typeface="Times New Roman"/>
-              </a:rPr>
-              <a:t>+</a:t>
-            </a:r>
-            <a:r>
-              <a:rPr lang="en-US" baseline="-25000">
-                <a:latin typeface="Times New Roman"/>
-                <a:cs typeface="Times New Roman"/>
-              </a:rPr>
-              <a:t> </a:t>
-            </a:r>
-            <a:r>
-              <a:rPr lang="en-US">
-                <a:latin typeface="Times New Roman"/>
-                <a:cs typeface="Times New Roman"/>
-              </a:rPr>
-              <a:t>β</a:t>
-            </a:r>
-            <a:r>
-              <a:rPr lang="en-US" baseline="-25000">
-                <a:latin typeface="Times New Roman"/>
-                <a:cs typeface="Times New Roman"/>
-              </a:rPr>
-              <a:t>4</a:t>
-            </a:r>
-            <a:r>
-              <a:rPr lang="en-US">
-                <a:latin typeface="Times New Roman"/>
-                <a:cs typeface="Times New Roman"/>
-              </a:rPr>
-              <a:t> </a:t>
-            </a:r>
-            <a:r>
-              <a:rPr lang="en-US" b="1">
-                <a:latin typeface="Times New Roman"/>
-                <a:cs typeface="Times New Roman"/>
-              </a:rPr>
-              <a:t>x</a:t>
-            </a:r>
-            <a:r>
-              <a:rPr lang="en-US" baseline="-25000">
-                <a:latin typeface="Times New Roman"/>
-                <a:cs typeface="Times New Roman"/>
-              </a:rPr>
-              <a:t>4 </a:t>
-            </a:r>
-            <a:r>
-              <a:rPr lang="en-US">
-                <a:latin typeface="Times New Roman"/>
-                <a:cs typeface="Times New Roman"/>
-              </a:rPr>
-              <a:t>+ … +</a:t>
-            </a:r>
-            <a:r>
-              <a:rPr lang="en-US" baseline="-25000">
-                <a:latin typeface="Times New Roman"/>
-                <a:cs typeface="Times New Roman"/>
-              </a:rPr>
-              <a:t> </a:t>
-            </a:r>
-            <a:r>
-              <a:rPr lang="en-US">
-                <a:latin typeface="Times New Roman"/>
-                <a:cs typeface="Times New Roman"/>
-              </a:rPr>
-              <a:t>β</a:t>
-            </a:r>
-            <a:r>
-              <a:rPr lang="en-US" baseline="-25000">
-                <a:latin typeface="Times New Roman"/>
-                <a:cs typeface="Times New Roman"/>
-              </a:rPr>
-              <a:t>n</a:t>
-            </a:r>
-            <a:r>
-              <a:rPr lang="en-US">
-                <a:latin typeface="Times New Roman"/>
-                <a:cs typeface="Times New Roman"/>
-              </a:rPr>
-              <a:t> </a:t>
-            </a:r>
-            <a:r>
-              <a:rPr lang="en-US" b="1">
-                <a:latin typeface="Times New Roman"/>
-                <a:cs typeface="Times New Roman"/>
-              </a:rPr>
-              <a:t>x</a:t>
-            </a:r>
-            <a:r>
-              <a:rPr lang="en-US" baseline="-25000">
-                <a:latin typeface="Times New Roman"/>
-                <a:cs typeface="Times New Roman"/>
-              </a:rPr>
-              <a:t>n</a:t>
-            </a:r>
-          </a:p>
-          <a:p>
-            <a:r>
-              <a:rPr lang="en-US">
-                <a:latin typeface="Times New Roman"/>
-                <a:cs typeface="Times New Roman"/>
-              </a:rPr>
-              <a:t>f(y) = </a:t>
-            </a:r>
-            <a:r>
-              <a:rPr lang="en-US" b="1">
-                <a:latin typeface="Times New Roman"/>
-                <a:cs typeface="Times New Roman"/>
-              </a:rPr>
-              <a:t>X</a:t>
-            </a:r>
-            <a:r>
-              <a:rPr lang="en-US">
-                <a:latin typeface="Times New Roman"/>
-                <a:cs typeface="Times New Roman"/>
-              </a:rPr>
-              <a:t> β</a:t>
-            </a:r>
-          </a:p>
-        </p:txBody>
-      </p:sp>
-    </p:spTree>
-  </p:cSld>
-  <p:clrMapOvr>
-    <a:masterClrMapping/>
-  </p:clrMapOvr>
-</p:sld>
-</file>
-
-<file path=ppt/slides/slide9.xml><?xml version="1.0" encoding="utf-8"?>
 <p:sld xmlns:a="http://schemas.openxmlformats.org/drawingml/2006/main" xmlns:r="http://schemas.openxmlformats.org/officeDocument/2006/relationships" xmlns:mc="http://schemas.openxmlformats.org/markup-compatibility/2006" xmlns:mv="urn:schemas-microsoft-com:mac:vml" xmlns:p="http://schemas.openxmlformats.org/presentationml/2006/main" mc:Ignorable="mv" mc:PreserveAttributes="mv:*">
   <p:cSld>
     <p:spTree>
@@ -7561,6 +7215,256 @@
       </p:par>
     </p:tnLst>
   </p:timing>
+</p:sld>
+</file>
+
+<file path=ppt/slides/slide9.xml><?xml version="1.0" encoding="utf-8"?>
+<p:sld xmlns:a="http://schemas.openxmlformats.org/drawingml/2006/main" xmlns:r="http://schemas.openxmlformats.org/officeDocument/2006/relationships" xmlns:mc="http://schemas.openxmlformats.org/markup-compatibility/2006" xmlns:mv="urn:schemas-microsoft-com:mac:vml" xmlns:p="http://schemas.openxmlformats.org/presentationml/2006/main" mc:Ignorable="mv" mc:PreserveAttributes="mv:*">
+  <p:cSld>
+    <p:spTree>
+      <p:nvGrpSpPr>
+        <p:cNvPr id="1" name=""/>
+        <p:cNvGrpSpPr/>
+        <p:nvPr/>
+      </p:nvGrpSpPr>
+      <p:grpSpPr>
+        <a:xfrm>
+          <a:off x="0" y="0"/>
+          <a:ext cx="0" cy="0"/>
+          <a:chOff x="0" y="0"/>
+          <a:chExt cx="0" cy="0"/>
+        </a:xfrm>
+      </p:grpSpPr>
+      <p:sp>
+        <p:nvSpPr>
+          <p:cNvPr id="2" name="Title 1"/>
+          <p:cNvSpPr>
+            <a:spLocks noGrp="1"/>
+          </p:cNvSpPr>
+          <p:nvPr>
+            <p:ph type="title"/>
+          </p:nvPr>
+        </p:nvSpPr>
+        <p:spPr/>
+        <p:txBody>
+          <a:bodyPr/>
+          <a:lstStyle/>
+          <a:p>
+            <a:r>
+              <a:rPr lang="en-US"/>
+              <a:t>How a Model Is Fit</a:t>
+            </a:r>
+          </a:p>
+        </p:txBody>
+      </p:sp>
+      <p:sp>
+        <p:nvSpPr>
+          <p:cNvPr id="3" name="Content Placeholder 2"/>
+          <p:cNvSpPr>
+            <a:spLocks noGrp="1"/>
+          </p:cNvSpPr>
+          <p:nvPr>
+            <p:ph idx="1"/>
+          </p:nvPr>
+        </p:nvSpPr>
+        <p:spPr/>
+        <p:txBody>
+          <a:bodyPr/>
+          <a:lstStyle/>
+          <a:p>
+            <a:r>
+              <a:rPr lang="en-US"/>
+              <a:t>The following two equations are equivalent:</a:t>
+            </a:r>
+          </a:p>
+          <a:p>
+            <a:pPr lvl="1"/>
+            <a:r>
+              <a:rPr lang="en-US">
+                <a:latin typeface="Times New Roman"/>
+                <a:cs typeface="Times New Roman"/>
+              </a:rPr>
+              <a:t>y = β</a:t>
+            </a:r>
+            <a:r>
+              <a:rPr lang="en-US" baseline="-25000">
+                <a:latin typeface="Times New Roman"/>
+                <a:cs typeface="Times New Roman"/>
+              </a:rPr>
+              <a:t>0</a:t>
+            </a:r>
+            <a:r>
+              <a:rPr lang="en-US">
+                <a:latin typeface="Times New Roman"/>
+                <a:cs typeface="Times New Roman"/>
+              </a:rPr>
+              <a:t> + β</a:t>
+            </a:r>
+            <a:r>
+              <a:rPr lang="en-US" baseline="-25000">
+                <a:latin typeface="Times New Roman"/>
+                <a:cs typeface="Times New Roman"/>
+              </a:rPr>
+              <a:t>1</a:t>
+            </a:r>
+            <a:r>
+              <a:rPr lang="en-US">
+                <a:latin typeface="Times New Roman"/>
+                <a:cs typeface="Times New Roman"/>
+              </a:rPr>
+              <a:t> </a:t>
+            </a:r>
+            <a:r>
+              <a:rPr lang="en-US" b="1">
+                <a:latin typeface="Times New Roman"/>
+                <a:cs typeface="Times New Roman"/>
+              </a:rPr>
+              <a:t>x</a:t>
+            </a:r>
+            <a:r>
+              <a:rPr lang="en-US" baseline="-25000">
+                <a:latin typeface="Times New Roman"/>
+                <a:cs typeface="Times New Roman"/>
+              </a:rPr>
+              <a:t>1</a:t>
+            </a:r>
+          </a:p>
+          <a:p>
+            <a:pPr lvl="1"/>
+            <a:r>
+              <a:rPr lang="en-US">
+                <a:latin typeface="Times New Roman"/>
+                <a:cs typeface="Times New Roman"/>
+              </a:rPr>
+              <a:t>y = </a:t>
+            </a:r>
+            <a:r>
+              <a:rPr lang="en-US" b="1">
+                <a:latin typeface="Times New Roman"/>
+                <a:cs typeface="Times New Roman"/>
+              </a:rPr>
+              <a:t>X</a:t>
+            </a:r>
+            <a:r>
+              <a:rPr lang="en-US">
+                <a:latin typeface="Times New Roman"/>
+                <a:cs typeface="Times New Roman"/>
+              </a:rPr>
+              <a:t> β</a:t>
+            </a:r>
+          </a:p>
+          <a:p>
+            <a:r>
+              <a:rPr lang="en-US"/>
+              <a:t>If we define</a:t>
+            </a:r>
+          </a:p>
+          <a:p>
+            <a:pPr lvl="1"/>
+            <a:r>
+              <a:rPr lang="en-US" b="1">
+                <a:latin typeface="Times New Roman"/>
+                <a:cs typeface="Times New Roman"/>
+              </a:rPr>
+              <a:t>X</a:t>
+            </a:r>
+            <a:r>
+              <a:rPr lang="en-US">
+                <a:latin typeface="Times New Roman"/>
+                <a:cs typeface="Times New Roman"/>
+              </a:rPr>
+              <a:t> = (</a:t>
+            </a:r>
+            <a:r>
+              <a:rPr lang="en-US" b="1">
+                <a:latin typeface="Times New Roman"/>
+                <a:cs typeface="Times New Roman"/>
+              </a:rPr>
+              <a:t>1</a:t>
+            </a:r>
+            <a:r>
+              <a:rPr lang="en-US">
+                <a:latin typeface="Times New Roman"/>
+                <a:cs typeface="Times New Roman"/>
+              </a:rPr>
+              <a:t> </a:t>
+            </a:r>
+            <a:r>
+              <a:rPr lang="en-US" b="1">
+                <a:latin typeface="Times New Roman"/>
+                <a:cs typeface="Times New Roman"/>
+              </a:rPr>
+              <a:t> x</a:t>
+            </a:r>
+            <a:r>
+              <a:rPr lang="en-US" baseline="-25000">
+                <a:latin typeface="Times New Roman"/>
+                <a:cs typeface="Times New Roman"/>
+              </a:rPr>
+              <a:t>1</a:t>
+            </a:r>
+            <a:r>
+              <a:rPr lang="en-US">
+                <a:latin typeface="Times New Roman"/>
+                <a:cs typeface="Times New Roman"/>
+              </a:rPr>
+              <a:t>)</a:t>
+            </a:r>
+          </a:p>
+          <a:p>
+            <a:pPr lvl="1"/>
+            <a:r>
+              <a:rPr lang="en-US">
+                <a:latin typeface="Times New Roman"/>
+                <a:cs typeface="Times New Roman"/>
+              </a:rPr>
+              <a:t>β = (β</a:t>
+            </a:r>
+            <a:r>
+              <a:rPr lang="en-US" baseline="-25000">
+                <a:latin typeface="Times New Roman"/>
+                <a:cs typeface="Times New Roman"/>
+              </a:rPr>
+              <a:t>0 </a:t>
+            </a:r>
+            <a:r>
+              <a:rPr lang="en-US">
+                <a:latin typeface="Times New Roman"/>
+                <a:cs typeface="Times New Roman"/>
+              </a:rPr>
+              <a:t> β</a:t>
+            </a:r>
+            <a:r>
+              <a:rPr lang="en-US" baseline="-25000">
+                <a:latin typeface="Times New Roman"/>
+                <a:cs typeface="Times New Roman"/>
+              </a:rPr>
+              <a:t>1</a:t>
+            </a:r>
+            <a:r>
+              <a:rPr lang="en-US">
+                <a:latin typeface="Times New Roman"/>
+                <a:cs typeface="Times New Roman"/>
+              </a:rPr>
+              <a:t> )</a:t>
+            </a:r>
+          </a:p>
+          <a:p>
+            <a:r>
+              <a:rPr lang="en-US">
+                <a:latin typeface="Calibri"/>
+                <a:cs typeface="Calibri"/>
+              </a:rPr>
+              <a:t>This leads to the definition and construction of the model matrix Ｘ</a:t>
+            </a:r>
+          </a:p>
+        </p:txBody>
+      </p:sp>
+    </p:spTree>
+  </p:cSld>
+  <p:clrMapOvr>
+    <a:masterClrMapping/>
+  </p:clrMapOvr>
 </p:sld>
 </file>
 
